--- a/11. Others/A. PPTs/JDBC.pptx
+++ b/11. Others/A. PPTs/JDBC.pptx
@@ -5,7 +5,7 @@
     <p:sldMasterId id="2147483648" r:id="rId1"/>
   </p:sldMasterIdLst>
   <p:notesMasterIdLst>
-    <p:notesMasterId r:id="rId28"/>
+    <p:notesMasterId r:id="rId31"/>
   </p:notesMasterIdLst>
   <p:sldIdLst>
     <p:sldId id="310" r:id="rId2"/>
@@ -29,11 +29,14 @@
     <p:sldId id="282" r:id="rId20"/>
     <p:sldId id="299" r:id="rId21"/>
     <p:sldId id="325" r:id="rId22"/>
-    <p:sldId id="324" r:id="rId23"/>
-    <p:sldId id="309" r:id="rId24"/>
-    <p:sldId id="300" r:id="rId25"/>
-    <p:sldId id="321" r:id="rId26"/>
-    <p:sldId id="322" r:id="rId27"/>
+    <p:sldId id="328" r:id="rId23"/>
+    <p:sldId id="324" r:id="rId24"/>
+    <p:sldId id="309" r:id="rId25"/>
+    <p:sldId id="300" r:id="rId26"/>
+    <p:sldId id="321" r:id="rId27"/>
+    <p:sldId id="322" r:id="rId28"/>
+    <p:sldId id="326" r:id="rId29"/>
+    <p:sldId id="327" r:id="rId30"/>
   </p:sldIdLst>
   <p:sldSz cx="9144000" cy="6858000" type="screen4x3"/>
   <p:notesSz cx="6858000" cy="9144000"/>
@@ -178,7 +181,6 @@
   </mc:AlternateContent>
   <c:chart>
     <c:title>
-      <c:layout/>
       <c:overlay val="0"/>
       <c:spPr>
         <a:noFill/>
@@ -340,9 +342,7 @@
               </c:spPr>
             </c:leaderLines>
             <c:extLst>
-              <c:ext xmlns:c15="http://schemas.microsoft.com/office/drawing/2012/chart" uri="{CE6537A1-D6FC-4f65-9D91-7224C49458BB}">
-                <c15:layout/>
-              </c:ext>
+              <c:ext xmlns:c15="http://schemas.microsoft.com/office/drawing/2012/chart" uri="{CE6537A1-D6FC-4f65-9D91-7224C49458BB}"/>
             </c:extLst>
           </c:dLbls>
           <c:cat>
@@ -403,7 +403,6 @@
     </c:plotArea>
     <c:legend>
       <c:legendPos val="b"/>
-      <c:layout/>
       <c:overlay val="0"/>
       <c:spPr>
         <a:noFill/>
@@ -1101,7 +1100,7 @@
           <a:p>
             <a:fld id="{4D5E6690-03A7-49E8-BBE8-9FAB747999F4}" type="datetimeFigureOut">
               <a:rPr lang="en-US" smtClean="0"/>
-              <a:t>1/14/2016</a:t>
+              <a:t>11/10/2017</a:t>
             </a:fld>
             <a:endParaRPr lang="en-US"/>
           </a:p>
@@ -1639,7 +1638,7 @@
           <a:p>
             <a:fld id="{F91BD43F-C672-4ED4-8CF3-4F6C72EB09E5}" type="datetimeFigureOut">
               <a:rPr lang="en-IN" smtClean="0"/>
-              <a:t>14-01-2016</a:t>
+              <a:t>10-11-2017</a:t>
             </a:fld>
             <a:endParaRPr lang="en-IN" dirty="0"/>
           </a:p>
@@ -1809,7 +1808,7 @@
           <a:p>
             <a:fld id="{F91BD43F-C672-4ED4-8CF3-4F6C72EB09E5}" type="datetimeFigureOut">
               <a:rPr lang="en-IN" smtClean="0"/>
-              <a:t>14-01-2016</a:t>
+              <a:t>10-11-2017</a:t>
             </a:fld>
             <a:endParaRPr lang="en-IN" dirty="0"/>
           </a:p>
@@ -1989,7 +1988,7 @@
           <a:p>
             <a:fld id="{F91BD43F-C672-4ED4-8CF3-4F6C72EB09E5}" type="datetimeFigureOut">
               <a:rPr lang="en-IN" smtClean="0"/>
-              <a:t>14-01-2016</a:t>
+              <a:t>10-11-2017</a:t>
             </a:fld>
             <a:endParaRPr lang="en-IN" dirty="0"/>
           </a:p>
@@ -2159,7 +2158,7 @@
           <a:p>
             <a:fld id="{F91BD43F-C672-4ED4-8CF3-4F6C72EB09E5}" type="datetimeFigureOut">
               <a:rPr lang="en-IN" smtClean="0"/>
-              <a:t>14-01-2016</a:t>
+              <a:t>10-11-2017</a:t>
             </a:fld>
             <a:endParaRPr lang="en-IN" dirty="0"/>
           </a:p>
@@ -2405,7 +2404,7 @@
           <a:p>
             <a:fld id="{F91BD43F-C672-4ED4-8CF3-4F6C72EB09E5}" type="datetimeFigureOut">
               <a:rPr lang="en-IN" smtClean="0"/>
-              <a:t>14-01-2016</a:t>
+              <a:t>10-11-2017</a:t>
             </a:fld>
             <a:endParaRPr lang="en-IN" dirty="0"/>
           </a:p>
@@ -2693,7 +2692,7 @@
           <a:p>
             <a:fld id="{F91BD43F-C672-4ED4-8CF3-4F6C72EB09E5}" type="datetimeFigureOut">
               <a:rPr lang="en-IN" smtClean="0"/>
-              <a:t>14-01-2016</a:t>
+              <a:t>10-11-2017</a:t>
             </a:fld>
             <a:endParaRPr lang="en-IN" dirty="0"/>
           </a:p>
@@ -3115,7 +3114,7 @@
           <a:p>
             <a:fld id="{F91BD43F-C672-4ED4-8CF3-4F6C72EB09E5}" type="datetimeFigureOut">
               <a:rPr lang="en-IN" smtClean="0"/>
-              <a:t>14-01-2016</a:t>
+              <a:t>10-11-2017</a:t>
             </a:fld>
             <a:endParaRPr lang="en-IN" dirty="0"/>
           </a:p>
@@ -3233,7 +3232,7 @@
           <a:p>
             <a:fld id="{F91BD43F-C672-4ED4-8CF3-4F6C72EB09E5}" type="datetimeFigureOut">
               <a:rPr lang="en-IN" smtClean="0"/>
-              <a:t>14-01-2016</a:t>
+              <a:t>10-11-2017</a:t>
             </a:fld>
             <a:endParaRPr lang="en-IN" dirty="0"/>
           </a:p>
@@ -3328,7 +3327,7 @@
           <a:p>
             <a:fld id="{F91BD43F-C672-4ED4-8CF3-4F6C72EB09E5}" type="datetimeFigureOut">
               <a:rPr lang="en-IN" smtClean="0"/>
-              <a:t>14-01-2016</a:t>
+              <a:t>10-11-2017</a:t>
             </a:fld>
             <a:endParaRPr lang="en-IN" dirty="0"/>
           </a:p>
@@ -3605,7 +3604,7 @@
           <a:p>
             <a:fld id="{F91BD43F-C672-4ED4-8CF3-4F6C72EB09E5}" type="datetimeFigureOut">
               <a:rPr lang="en-IN" smtClean="0"/>
-              <a:t>14-01-2016</a:t>
+              <a:t>10-11-2017</a:t>
             </a:fld>
             <a:endParaRPr lang="en-IN" dirty="0"/>
           </a:p>
@@ -3858,7 +3857,7 @@
           <a:p>
             <a:fld id="{F91BD43F-C672-4ED4-8CF3-4F6C72EB09E5}" type="datetimeFigureOut">
               <a:rPr lang="en-IN" smtClean="0"/>
-              <a:t>14-01-2016</a:t>
+              <a:t>10-11-2017</a:t>
             </a:fld>
             <a:endParaRPr lang="en-IN" dirty="0"/>
           </a:p>
@@ -4071,7 +4070,7 @@
           <a:p>
             <a:fld id="{F91BD43F-C672-4ED4-8CF3-4F6C72EB09E5}" type="datetimeFigureOut">
               <a:rPr lang="en-IN" smtClean="0"/>
-              <a:t>14-01-2016</a:t>
+              <a:t>10-11-2017</a:t>
             </a:fld>
             <a:endParaRPr lang="en-IN" dirty="0"/>
           </a:p>
@@ -13844,21 +13843,153 @@
       </p:grpSpPr>
       <p:sp>
         <p:nvSpPr>
-          <p:cNvPr id="12" name="Rounded Rectangle 11"/>
+          <p:cNvPr id="16" name="TextBox 15"/>
+          <p:cNvSpPr txBox="1"/>
+          <p:nvPr/>
+        </p:nvSpPr>
+        <p:spPr>
+          <a:xfrm>
+            <a:off x="538446" y="1946566"/>
+            <a:ext cx="3196554" cy="707886"/>
+          </a:xfrm>
+          <a:prstGeom prst="rect">
+            <a:avLst/>
+          </a:prstGeom>
+          <a:noFill/>
+        </p:spPr>
+        <p:txBody>
+          <a:bodyPr wrap="square" rtlCol="0">
+            <a:spAutoFit/>
+          </a:bodyPr>
+          <a:lstStyle/>
+          <a:p>
+            <a:r>
+              <a:rPr lang="en-US" sz="2000" b="1" dirty="0">
+                <a:solidFill>
+                  <a:srgbClr val="FF0000"/>
+                </a:solidFill>
+              </a:rPr>
+              <a:t>No. of Rows Affected Count </a:t>
+            </a:r>
+          </a:p>
+          <a:p>
+            <a:r>
+              <a:rPr lang="en-US" sz="2000" b="1" dirty="0">
+                <a:solidFill>
+                  <a:srgbClr val="002060"/>
+                </a:solidFill>
+              </a:rPr>
+              <a:t>(</a:t>
+            </a:r>
+            <a:r>
+              <a:rPr lang="en-US" sz="2000" b="1" dirty="0">
+                <a:solidFill>
+                  <a:srgbClr val="002060"/>
+                </a:solidFill>
+              </a:rPr>
+              <a:t>in the form of Integer</a:t>
+            </a:r>
+            <a:r>
+              <a:rPr lang="en-US" sz="2000" b="1" dirty="0">
+                <a:solidFill>
+                  <a:srgbClr val="002060"/>
+                </a:solidFill>
+              </a:rPr>
+              <a:t>)</a:t>
+            </a:r>
+            <a:endParaRPr lang="en-US" sz="2000" b="1" dirty="0">
+              <a:solidFill>
+                <a:srgbClr val="002060"/>
+              </a:solidFill>
+            </a:endParaRPr>
+          </a:p>
+        </p:txBody>
+      </p:sp>
+      <p:sp>
+        <p:nvSpPr>
+          <p:cNvPr id="17" name="TextBox 16"/>
+          <p:cNvSpPr txBox="1"/>
+          <p:nvPr/>
+        </p:nvSpPr>
+        <p:spPr>
+          <a:xfrm>
+            <a:off x="584649" y="3512303"/>
+            <a:ext cx="3150350" cy="707886"/>
+          </a:xfrm>
+          <a:prstGeom prst="rect">
+            <a:avLst/>
+          </a:prstGeom>
+          <a:noFill/>
+        </p:spPr>
+        <p:txBody>
+          <a:bodyPr wrap="none" rtlCol="0">
+            <a:spAutoFit/>
+          </a:bodyPr>
+          <a:lstStyle/>
+          <a:p>
+            <a:r>
+              <a:rPr lang="en-US" sz="2000" b="1" dirty="0">
+                <a:solidFill>
+                  <a:srgbClr val="FF0000"/>
+                </a:solidFill>
+              </a:rPr>
+              <a:t>DB Results</a:t>
+            </a:r>
+          </a:p>
+          <a:p>
+            <a:r>
+              <a:rPr lang="en-US" sz="2000" b="1" dirty="0" smtClean="0">
+                <a:solidFill>
+                  <a:schemeClr val="accent1">
+                    <a:lumMod val="50000"/>
+                  </a:schemeClr>
+                </a:solidFill>
+              </a:rPr>
+              <a:t>(</a:t>
+            </a:r>
+            <a:r>
+              <a:rPr lang="en-US" sz="2000" b="1" dirty="0" smtClean="0">
+                <a:solidFill>
+                  <a:srgbClr val="002060"/>
+                </a:solidFill>
+              </a:rPr>
+              <a:t>Result in the form of Table</a:t>
+            </a:r>
+            <a:r>
+              <a:rPr lang="en-US" sz="2000" b="1" dirty="0" smtClean="0">
+                <a:solidFill>
+                  <a:schemeClr val="accent1">
+                    <a:lumMod val="50000"/>
+                  </a:schemeClr>
+                </a:solidFill>
+              </a:rPr>
+              <a:t>)</a:t>
+            </a:r>
+            <a:endParaRPr lang="en-US" sz="2000" b="1" dirty="0">
+              <a:solidFill>
+                <a:schemeClr val="accent1">
+                  <a:lumMod val="50000"/>
+                </a:schemeClr>
+              </a:solidFill>
+            </a:endParaRPr>
+          </a:p>
+        </p:txBody>
+      </p:sp>
+      <p:sp>
+        <p:nvSpPr>
+          <p:cNvPr id="11" name="Flowchart: Magnetic Disk 10"/>
           <p:cNvSpPr/>
           <p:nvPr/>
         </p:nvSpPr>
         <p:spPr>
           <a:xfrm>
-            <a:off x="827586" y="718798"/>
-            <a:ext cx="1512169" cy="720080"/>
-          </a:xfrm>
-          <a:prstGeom prst="roundRect">
-            <a:avLst/>
-          </a:prstGeom>
-          <a:solidFill>
-            <a:schemeClr val="bg1"/>
-          </a:solidFill>
+            <a:off x="6876256" y="888364"/>
+            <a:ext cx="1403090" cy="3317303"/>
+          </a:xfrm>
+          <a:prstGeom prst="flowChartMagneticDisk">
+            <a:avLst/>
+          </a:prstGeom>
+          <a:noFill/>
         </p:spPr>
         <p:style>
           <a:lnRef idx="2">
@@ -13881,46 +14012,178 @@
           <a:lstStyle/>
           <a:p>
             <a:pPr algn="ctr"/>
-            <a:r>
-              <a:rPr lang="en-US" sz="1801" b="1" dirty="0">
+            <a:endParaRPr lang="en-US" sz="1801"/>
+          </a:p>
+        </p:txBody>
+      </p:sp>
+      <p:sp>
+        <p:nvSpPr>
+          <p:cNvPr id="13" name="TextBox 12"/>
+          <p:cNvSpPr txBox="1"/>
+          <p:nvPr/>
+        </p:nvSpPr>
+        <p:spPr>
+          <a:xfrm>
+            <a:off x="7034799" y="2547015"/>
+            <a:ext cx="1086003" cy="369460"/>
+          </a:xfrm>
+          <a:prstGeom prst="rect">
+            <a:avLst/>
+          </a:prstGeom>
+          <a:noFill/>
+        </p:spPr>
+        <p:txBody>
+          <a:bodyPr wrap="none" rtlCol="0">
+            <a:spAutoFit/>
+          </a:bodyPr>
+          <a:lstStyle/>
+          <a:p>
+            <a:r>
+              <a:rPr lang="en-US" sz="1801" b="1" dirty="0" smtClean="0"/>
+              <a:t>DataBase</a:t>
+            </a:r>
+            <a:endParaRPr lang="en-US" sz="1801" b="1" dirty="0"/>
+          </a:p>
+        </p:txBody>
+      </p:sp>
+      <p:sp>
+        <p:nvSpPr>
+          <p:cNvPr id="2" name="Rectangle 1"/>
+          <p:cNvSpPr/>
+          <p:nvPr/>
+        </p:nvSpPr>
+        <p:spPr>
+          <a:xfrm>
+            <a:off x="491833" y="1454616"/>
+            <a:ext cx="3466715" cy="400110"/>
+          </a:xfrm>
+          <a:prstGeom prst="rect">
+            <a:avLst/>
+          </a:prstGeom>
+        </p:spPr>
+        <p:txBody>
+          <a:bodyPr wrap="square">
+            <a:spAutoFit/>
+          </a:bodyPr>
+          <a:lstStyle/>
+          <a:p>
+            <a:r>
+              <a:rPr lang="en-US" sz="2000" b="1" dirty="0">
+                <a:solidFill>
+                  <a:srgbClr val="FF0000"/>
+                </a:solidFill>
+              </a:rPr>
+              <a:t>Other than Select </a:t>
+            </a:r>
+            <a:r>
+              <a:rPr lang="en-US" sz="2000" b="1" dirty="0" smtClean="0">
+                <a:solidFill>
+                  <a:srgbClr val="002060"/>
+                </a:solidFill>
+              </a:rPr>
+              <a:t>SQL Queries</a:t>
+            </a:r>
+            <a:endParaRPr lang="en-US" sz="2000" dirty="0">
+              <a:solidFill>
+                <a:srgbClr val="002060"/>
+              </a:solidFill>
+            </a:endParaRPr>
+          </a:p>
+        </p:txBody>
+      </p:sp>
+      <p:sp>
+        <p:nvSpPr>
+          <p:cNvPr id="15" name="Rectangle 14"/>
+          <p:cNvSpPr/>
+          <p:nvPr/>
+        </p:nvSpPr>
+        <p:spPr>
+          <a:xfrm>
+            <a:off x="560904" y="3084929"/>
+            <a:ext cx="3423174" cy="400110"/>
+          </a:xfrm>
+          <a:prstGeom prst="rect">
+            <a:avLst/>
+          </a:prstGeom>
+        </p:spPr>
+        <p:txBody>
+          <a:bodyPr wrap="square">
+            <a:spAutoFit/>
+          </a:bodyPr>
+          <a:lstStyle/>
+          <a:p>
+            <a:r>
+              <a:rPr lang="en-US" sz="2000" b="1" dirty="0">
+                <a:solidFill>
+                  <a:srgbClr val="002060"/>
+                </a:solidFill>
+              </a:rPr>
+              <a:t>Only</a:t>
+            </a:r>
+            <a:r>
+              <a:rPr lang="en-US" sz="2000" b="1" dirty="0">
                 <a:solidFill>
                   <a:schemeClr val="accent1">
-                    <a:lumMod val="75000"/>
+                    <a:lumMod val="50000"/>
                   </a:schemeClr>
+                </a:solidFill>
+              </a:rPr>
+              <a:t> </a:t>
+            </a:r>
+            <a:r>
+              <a:rPr lang="en-US" sz="2000" b="1" dirty="0">
+                <a:solidFill>
+                  <a:srgbClr val="FF0000"/>
+                </a:solidFill>
+              </a:rPr>
+              <a:t>Select</a:t>
+            </a:r>
+            <a:r>
+              <a:rPr lang="en-US" sz="2000" b="1" dirty="0">
+                <a:solidFill>
+                  <a:schemeClr val="accent1">
+                    <a:lumMod val="50000"/>
+                  </a:schemeClr>
+                </a:solidFill>
+              </a:rPr>
+              <a:t> </a:t>
+            </a:r>
+            <a:r>
+              <a:rPr lang="en-US" sz="2000" b="1" dirty="0" smtClean="0">
+                <a:solidFill>
+                  <a:srgbClr val="002060"/>
                 </a:solidFill>
               </a:rPr>
               <a:t>SQL </a:t>
             </a:r>
-          </a:p>
-          <a:p>
-            <a:pPr algn="ctr"/>
-            <a:r>
-              <a:rPr lang="en-US" sz="1801" b="1" dirty="0">
-                <a:solidFill>
-                  <a:schemeClr val="accent1">
-                    <a:lumMod val="75000"/>
-                  </a:schemeClr>
+            <a:r>
+              <a:rPr lang="en-US" sz="2000" b="1" dirty="0" smtClean="0">
+                <a:solidFill>
+                  <a:srgbClr val="002060"/>
                 </a:solidFill>
               </a:rPr>
               <a:t>Queries</a:t>
             </a:r>
+            <a:endParaRPr lang="en-US" sz="2000" dirty="0">
+              <a:solidFill>
+                <a:srgbClr val="002060"/>
+              </a:solidFill>
+            </a:endParaRPr>
           </a:p>
         </p:txBody>
       </p:sp>
       <p:cxnSp>
         <p:nvCxnSpPr>
-          <p:cNvPr id="3" name="Elbow Connector 2"/>
-          <p:cNvCxnSpPr>
-            <a:stCxn id="12" idx="3"/>
-          </p:cNvCxnSpPr>
+          <p:cNvPr id="22" name="Straight Arrow Connector 21"/>
+          <p:cNvCxnSpPr/>
           <p:nvPr/>
         </p:nvCxnSpPr>
         <p:spPr>
-          <a:xfrm flipV="1">
-            <a:off x="2339752" y="430767"/>
-            <a:ext cx="1656185" cy="648073"/>
-          </a:xfrm>
-          <a:prstGeom prst="bentConnector3">
+          <a:xfrm>
+            <a:off x="4024794" y="1654671"/>
+            <a:ext cx="1150859" cy="2"/>
+          </a:xfrm>
+          <a:prstGeom prst="straightConnector1">
             <a:avLst/>
           </a:prstGeom>
           <a:ln>
@@ -13928,14 +14191,14 @@
           </a:ln>
         </p:spPr>
         <p:style>
-          <a:lnRef idx="2">
-            <a:schemeClr val="accent1"/>
+          <a:lnRef idx="3">
+            <a:schemeClr val="accent4"/>
           </a:lnRef>
           <a:fillRef idx="0">
-            <a:schemeClr val="accent1"/>
+            <a:schemeClr val="accent4"/>
           </a:fillRef>
-          <a:effectRef idx="1">
-            <a:schemeClr val="accent1"/>
+          <a:effectRef idx="2">
+            <a:schemeClr val="accent4"/>
           </a:effectRef>
           <a:fontRef idx="minor">
             <a:schemeClr val="tx1"/>
@@ -13944,574 +14207,109 @@
       </p:cxnSp>
       <p:cxnSp>
         <p:nvCxnSpPr>
-          <p:cNvPr id="14" name="Elbow Connector 13"/>
-          <p:cNvCxnSpPr>
-            <a:stCxn id="12" idx="3"/>
-          </p:cNvCxnSpPr>
+          <p:cNvPr id="24" name="Straight Arrow Connector 23"/>
+          <p:cNvCxnSpPr/>
           <p:nvPr/>
         </p:nvCxnSpPr>
         <p:spPr>
           <a:xfrm>
-            <a:off x="2339752" y="1078836"/>
-            <a:ext cx="1656185" cy="576064"/>
-          </a:xfrm>
-          <a:prstGeom prst="bentConnector3">
+            <a:off x="4024794" y="2300507"/>
+            <a:ext cx="1150859" cy="2"/>
+          </a:xfrm>
+          <a:prstGeom prst="straightConnector1">
             <a:avLst/>
           </a:prstGeom>
           <a:ln>
-            <a:tailEnd type="triangle"/>
+            <a:headEnd type="triangle"/>
+            <a:tailEnd type="none"/>
           </a:ln>
         </p:spPr>
         <p:style>
-          <a:lnRef idx="2">
-            <a:schemeClr val="accent1"/>
+          <a:lnRef idx="3">
+            <a:schemeClr val="accent4"/>
           </a:lnRef>
           <a:fillRef idx="0">
-            <a:schemeClr val="accent1"/>
+            <a:schemeClr val="accent4"/>
           </a:fillRef>
-          <a:effectRef idx="1">
-            <a:schemeClr val="accent1"/>
+          <a:effectRef idx="2">
+            <a:schemeClr val="accent4"/>
           </a:effectRef>
           <a:fontRef idx="minor">
             <a:schemeClr val="tx1"/>
           </a:fontRef>
         </p:style>
       </p:cxnSp>
-      <p:sp>
-        <p:nvSpPr>
-          <p:cNvPr id="16" name="TextBox 15"/>
-          <p:cNvSpPr txBox="1"/>
-          <p:nvPr/>
-        </p:nvSpPr>
-        <p:spPr>
-          <a:xfrm>
-            <a:off x="4355977" y="107603"/>
-            <a:ext cx="2877198" cy="646587"/>
-          </a:xfrm>
-          <a:prstGeom prst="rect">
-            <a:avLst/>
-          </a:prstGeom>
-          <a:noFill/>
-        </p:spPr>
-        <p:txBody>
-          <a:bodyPr wrap="none" rtlCol="0">
-            <a:spAutoFit/>
-          </a:bodyPr>
-          <a:lstStyle/>
-          <a:p>
-            <a:r>
-              <a:rPr lang="en-US" sz="1801" b="1" dirty="0">
-                <a:solidFill>
-                  <a:schemeClr val="accent1">
-                    <a:lumMod val="50000"/>
-                  </a:schemeClr>
-                </a:solidFill>
-              </a:rPr>
-              <a:t>No. of Rows Affected Count </a:t>
-            </a:r>
-          </a:p>
-          <a:p>
-            <a:r>
-              <a:rPr lang="en-US" sz="1801" b="1" dirty="0">
-                <a:solidFill>
-                  <a:schemeClr val="accent1">
-                    <a:lumMod val="50000"/>
-                  </a:schemeClr>
-                </a:solidFill>
-              </a:rPr>
-              <a:t>(</a:t>
-            </a:r>
-            <a:r>
-              <a:rPr lang="en-US" sz="1801" b="1" dirty="0">
-                <a:solidFill>
-                  <a:srgbClr val="C00000"/>
-                </a:solidFill>
-              </a:rPr>
-              <a:t>Other than Select </a:t>
-            </a:r>
-            <a:r>
-              <a:rPr lang="en-US" sz="1801" b="1" dirty="0">
-                <a:solidFill>
-                  <a:schemeClr val="accent1">
-                    <a:lumMod val="50000"/>
-                  </a:schemeClr>
-                </a:solidFill>
-              </a:rPr>
-              <a:t>Queries)</a:t>
-            </a:r>
-          </a:p>
-        </p:txBody>
-      </p:sp>
-      <p:sp>
-        <p:nvSpPr>
-          <p:cNvPr id="17" name="TextBox 16"/>
-          <p:cNvSpPr txBox="1"/>
-          <p:nvPr/>
-        </p:nvSpPr>
-        <p:spPr>
-          <a:xfrm>
-            <a:off x="4346717" y="1331738"/>
-            <a:ext cx="2589363" cy="646587"/>
-          </a:xfrm>
-          <a:prstGeom prst="rect">
-            <a:avLst/>
-          </a:prstGeom>
-          <a:noFill/>
-        </p:spPr>
-        <p:txBody>
-          <a:bodyPr wrap="none" rtlCol="0">
-            <a:spAutoFit/>
-          </a:bodyPr>
-          <a:lstStyle/>
-          <a:p>
-            <a:r>
-              <a:rPr lang="en-US" sz="1801" b="1" dirty="0">
-                <a:solidFill>
-                  <a:schemeClr val="accent1">
-                    <a:lumMod val="50000"/>
-                  </a:schemeClr>
-                </a:solidFill>
-              </a:rPr>
-              <a:t>DB Results</a:t>
-            </a:r>
-          </a:p>
-          <a:p>
-            <a:r>
-              <a:rPr lang="en-US" sz="1801" b="1" dirty="0">
-                <a:solidFill>
-                  <a:schemeClr val="accent1">
-                    <a:lumMod val="50000"/>
-                  </a:schemeClr>
-                </a:solidFill>
-              </a:rPr>
-              <a:t>(</a:t>
-            </a:r>
-            <a:r>
-              <a:rPr lang="en-US" sz="1801" b="1" dirty="0">
-                <a:solidFill>
-                  <a:srgbClr val="C00000"/>
-                </a:solidFill>
-              </a:rPr>
-              <a:t>ONLY for Select </a:t>
-            </a:r>
-            <a:r>
-              <a:rPr lang="en-US" sz="1801" b="1" dirty="0">
-                <a:solidFill>
-                  <a:schemeClr val="accent1">
-                    <a:lumMod val="50000"/>
-                  </a:schemeClr>
-                </a:solidFill>
-              </a:rPr>
-              <a:t>Queries)</a:t>
-            </a:r>
-          </a:p>
-        </p:txBody>
-      </p:sp>
-      <p:sp>
-        <p:nvSpPr>
-          <p:cNvPr id="18" name="TextBox 17"/>
-          <p:cNvSpPr txBox="1"/>
-          <p:nvPr/>
-        </p:nvSpPr>
-        <p:spPr>
-          <a:xfrm>
-            <a:off x="2159733" y="2071782"/>
-            <a:ext cx="4392489" cy="646331"/>
-          </a:xfrm>
-          <a:prstGeom prst="rect">
-            <a:avLst/>
-          </a:prstGeom>
-          <a:noFill/>
-        </p:spPr>
-        <p:txBody>
-          <a:bodyPr wrap="square" rtlCol="0">
-            <a:spAutoFit/>
-          </a:bodyPr>
-          <a:lstStyle/>
-          <a:p>
-            <a:r>
-              <a:rPr lang="en-US" sz="3600" b="1" u="sng" dirty="0"/>
-              <a:t>JDBC Statements</a:t>
-            </a:r>
-          </a:p>
-        </p:txBody>
-      </p:sp>
-      <p:sp>
-        <p:nvSpPr>
-          <p:cNvPr id="19" name="TextBox 18"/>
-          <p:cNvSpPr txBox="1"/>
-          <p:nvPr/>
-        </p:nvSpPr>
-        <p:spPr>
-          <a:xfrm>
-            <a:off x="52651" y="3274211"/>
-            <a:ext cx="4035207" cy="2554545"/>
-          </a:xfrm>
-          <a:prstGeom prst="rect">
-            <a:avLst/>
-          </a:prstGeom>
-          <a:noFill/>
-        </p:spPr>
-        <p:txBody>
-          <a:bodyPr wrap="none" rtlCol="0">
-            <a:spAutoFit/>
-          </a:bodyPr>
-          <a:lstStyle/>
-          <a:p>
-            <a:r>
-              <a:rPr lang="en-US" sz="2000" b="1" dirty="0">
-                <a:solidFill>
-                  <a:schemeClr val="accent1">
-                    <a:lumMod val="50000"/>
-                  </a:schemeClr>
-                </a:solidFill>
-              </a:rPr>
-              <a:t>1. Statement  </a:t>
-            </a:r>
-          </a:p>
-          <a:p>
-            <a:r>
-              <a:rPr lang="en-US" sz="2000" b="1" dirty="0">
-                <a:solidFill>
-                  <a:schemeClr val="accent1">
-                    <a:lumMod val="50000"/>
-                  </a:schemeClr>
-                </a:solidFill>
-              </a:rPr>
-              <a:t>    (for </a:t>
-            </a:r>
-            <a:r>
-              <a:rPr lang="en-US" sz="2000" b="1" dirty="0">
-                <a:solidFill>
-                  <a:srgbClr val="C00000"/>
-                </a:solidFill>
-              </a:rPr>
-              <a:t>Static SQL </a:t>
-            </a:r>
-            <a:r>
-              <a:rPr lang="en-US" sz="2000" b="1" dirty="0">
-                <a:solidFill>
-                  <a:schemeClr val="accent1">
-                    <a:lumMod val="50000"/>
-                  </a:schemeClr>
-                </a:solidFill>
-              </a:rPr>
-              <a:t>Queries)</a:t>
-            </a:r>
-          </a:p>
-          <a:p>
-            <a:endParaRPr lang="en-US" sz="2000" b="1" dirty="0">
-              <a:solidFill>
-                <a:schemeClr val="accent1">
-                  <a:lumMod val="50000"/>
-                </a:schemeClr>
-              </a:solidFill>
-            </a:endParaRPr>
-          </a:p>
-          <a:p>
-            <a:r>
-              <a:rPr lang="en-US" sz="2000" b="1" dirty="0">
-                <a:solidFill>
-                  <a:schemeClr val="accent1">
-                    <a:lumMod val="50000"/>
-                  </a:schemeClr>
-                </a:solidFill>
-              </a:rPr>
-              <a:t>2. PreparedStatement</a:t>
-            </a:r>
-          </a:p>
-          <a:p>
-            <a:r>
-              <a:rPr lang="en-US" sz="2000" b="1" dirty="0">
-                <a:solidFill>
-                  <a:schemeClr val="accent1">
-                    <a:lumMod val="50000"/>
-                  </a:schemeClr>
-                </a:solidFill>
-              </a:rPr>
-              <a:t>     (for </a:t>
-            </a:r>
-            <a:r>
-              <a:rPr lang="en-US" sz="2000" b="1" dirty="0">
-                <a:solidFill>
-                  <a:srgbClr val="C00000"/>
-                </a:solidFill>
-              </a:rPr>
-              <a:t>Dynamic SQL </a:t>
-            </a:r>
-            <a:r>
-              <a:rPr lang="en-US" sz="2000" b="1" dirty="0">
-                <a:solidFill>
-                  <a:schemeClr val="accent1">
-                    <a:lumMod val="50000"/>
-                  </a:schemeClr>
-                </a:solidFill>
-              </a:rPr>
-              <a:t>Queries)</a:t>
-            </a:r>
-          </a:p>
-          <a:p>
-            <a:endParaRPr lang="en-US" sz="2000" b="1" dirty="0">
-              <a:solidFill>
-                <a:schemeClr val="accent1">
-                  <a:lumMod val="50000"/>
-                </a:schemeClr>
-              </a:solidFill>
-            </a:endParaRPr>
-          </a:p>
-          <a:p>
-            <a:r>
-              <a:rPr lang="en-US" sz="2000" b="1" dirty="0">
-                <a:solidFill>
-                  <a:schemeClr val="accent1">
-                    <a:lumMod val="50000"/>
-                  </a:schemeClr>
-                </a:solidFill>
-              </a:rPr>
-              <a:t>3. CallableStatement</a:t>
-            </a:r>
-          </a:p>
-          <a:p>
-            <a:r>
-              <a:rPr lang="en-US" sz="2000" b="1" dirty="0">
-                <a:solidFill>
-                  <a:schemeClr val="accent1">
-                    <a:lumMod val="50000"/>
-                  </a:schemeClr>
-                </a:solidFill>
-              </a:rPr>
-              <a:t>     (for executing </a:t>
-            </a:r>
-            <a:r>
-              <a:rPr lang="en-US" sz="2000" b="1" dirty="0">
-                <a:solidFill>
-                  <a:srgbClr val="C00000"/>
-                </a:solidFill>
-              </a:rPr>
-              <a:t>Stored Procedures</a:t>
-            </a:r>
-            <a:r>
-              <a:rPr lang="en-US" sz="2000" b="1" dirty="0">
-                <a:solidFill>
-                  <a:schemeClr val="accent1">
-                    <a:lumMod val="50000"/>
-                  </a:schemeClr>
-                </a:solidFill>
-              </a:rPr>
-              <a:t>)</a:t>
-            </a:r>
-          </a:p>
-        </p:txBody>
-      </p:sp>
-      <p:sp>
-        <p:nvSpPr>
-          <p:cNvPr id="20" name="Right Brace 19"/>
-          <p:cNvSpPr/>
-          <p:nvPr/>
-        </p:nvSpPr>
-        <p:spPr>
-          <a:xfrm>
-            <a:off x="4064162" y="3111757"/>
-            <a:ext cx="337774" cy="2879451"/>
-          </a:xfrm>
-          <a:prstGeom prst="rightBrace">
-            <a:avLst/>
-          </a:prstGeom>
+      <p:cxnSp>
+        <p:nvCxnSpPr>
+          <p:cNvPr id="26" name="Straight Arrow Connector 25"/>
+          <p:cNvCxnSpPr/>
+          <p:nvPr/>
+        </p:nvCxnSpPr>
+        <p:spPr>
+          <a:xfrm>
+            <a:off x="3980605" y="3284984"/>
+            <a:ext cx="1150859" cy="2"/>
+          </a:xfrm>
+          <a:prstGeom prst="straightConnector1">
+            <a:avLst/>
+          </a:prstGeom>
+          <a:ln>
+            <a:tailEnd type="triangle"/>
+          </a:ln>
         </p:spPr>
         <p:style>
-          <a:lnRef idx="2">
-            <a:schemeClr val="accent1"/>
+          <a:lnRef idx="3">
+            <a:schemeClr val="accent4"/>
           </a:lnRef>
           <a:fillRef idx="0">
-            <a:schemeClr val="accent1"/>
+            <a:schemeClr val="accent4"/>
           </a:fillRef>
-          <a:effectRef idx="1">
-            <a:schemeClr val="accent1"/>
+          <a:effectRef idx="2">
+            <a:schemeClr val="accent4"/>
           </a:effectRef>
           <a:fontRef idx="minor">
             <a:schemeClr val="tx1"/>
           </a:fontRef>
         </p:style>
-        <p:txBody>
-          <a:bodyPr rtlCol="0" anchor="ctr"/>
-          <a:lstStyle/>
-          <a:p>
-            <a:pPr algn="ctr"/>
-            <a:endParaRPr lang="en-US" sz="1801"/>
-          </a:p>
-        </p:txBody>
-      </p:sp>
-      <p:sp>
-        <p:nvSpPr>
-          <p:cNvPr id="21" name="TextBox 20"/>
-          <p:cNvSpPr txBox="1"/>
-          <p:nvPr/>
-        </p:nvSpPr>
-        <p:spPr>
-          <a:xfrm>
-            <a:off x="4716016" y="3274211"/>
-            <a:ext cx="3948260" cy="2554545"/>
-          </a:xfrm>
-          <a:prstGeom prst="rect">
-            <a:avLst/>
-          </a:prstGeom>
-          <a:noFill/>
-        </p:spPr>
-        <p:txBody>
-          <a:bodyPr wrap="none" rtlCol="0">
-            <a:spAutoFit/>
-          </a:bodyPr>
-          <a:lstStyle/>
-          <a:p>
-            <a:r>
-              <a:rPr lang="en-US" sz="2000" b="1" dirty="0">
-                <a:solidFill>
-                  <a:schemeClr val="accent1">
-                    <a:lumMod val="50000"/>
-                  </a:schemeClr>
-                </a:solidFill>
-              </a:rPr>
-              <a:t>1. int executeUpdate()  </a:t>
-            </a:r>
-          </a:p>
-          <a:p>
-            <a:r>
-              <a:rPr lang="en-US" sz="2000" b="1" dirty="0">
-                <a:solidFill>
-                  <a:schemeClr val="accent1">
-                    <a:lumMod val="50000"/>
-                  </a:schemeClr>
-                </a:solidFill>
-              </a:rPr>
-              <a:t>    (</a:t>
-            </a:r>
-            <a:r>
-              <a:rPr lang="en-US" sz="2000" b="1" dirty="0">
-                <a:solidFill>
-                  <a:srgbClr val="C00000"/>
-                </a:solidFill>
-              </a:rPr>
-              <a:t>Other than Select </a:t>
-            </a:r>
-            <a:r>
-              <a:rPr lang="en-US" sz="2000" b="1" dirty="0">
-                <a:solidFill>
-                  <a:schemeClr val="accent1">
-                    <a:lumMod val="50000"/>
-                  </a:schemeClr>
-                </a:solidFill>
-              </a:rPr>
-              <a:t>SQL Queries)</a:t>
-            </a:r>
-          </a:p>
-          <a:p>
-            <a:endParaRPr lang="en-US" sz="2000" b="1" dirty="0">
-              <a:solidFill>
-                <a:schemeClr val="accent1">
-                  <a:lumMod val="50000"/>
-                </a:schemeClr>
-              </a:solidFill>
-            </a:endParaRPr>
-          </a:p>
-          <a:p>
-            <a:r>
-              <a:rPr lang="en-US" sz="2000" b="1" dirty="0">
-                <a:solidFill>
-                  <a:schemeClr val="accent1">
-                    <a:lumMod val="50000"/>
-                  </a:schemeClr>
-                </a:solidFill>
-              </a:rPr>
-              <a:t>2. ResultSet executeQuery()</a:t>
-            </a:r>
-          </a:p>
-          <a:p>
-            <a:r>
-              <a:rPr lang="en-US" sz="2000" b="1" dirty="0">
-                <a:solidFill>
-                  <a:schemeClr val="accent1">
-                    <a:lumMod val="50000"/>
-                  </a:schemeClr>
-                </a:solidFill>
-              </a:rPr>
-              <a:t>     (</a:t>
-            </a:r>
-            <a:r>
-              <a:rPr lang="en-US" sz="2000" b="1" dirty="0">
-                <a:solidFill>
-                  <a:srgbClr val="C00000"/>
-                </a:solidFill>
-              </a:rPr>
-              <a:t>ONLY for Select </a:t>
-            </a:r>
-            <a:r>
-              <a:rPr lang="en-US" sz="2000" b="1" dirty="0">
-                <a:solidFill>
-                  <a:schemeClr val="accent1">
-                    <a:lumMod val="50000"/>
-                  </a:schemeClr>
-                </a:solidFill>
-              </a:rPr>
-              <a:t>SQL Queries)</a:t>
-            </a:r>
-          </a:p>
-          <a:p>
-            <a:endParaRPr lang="en-US" sz="2000" b="1" dirty="0">
-              <a:solidFill>
-                <a:schemeClr val="accent1">
-                  <a:lumMod val="50000"/>
-                </a:schemeClr>
-              </a:solidFill>
-            </a:endParaRPr>
-          </a:p>
-          <a:p>
-            <a:r>
-              <a:rPr lang="en-US" sz="2000" b="1" dirty="0">
-                <a:solidFill>
-                  <a:schemeClr val="accent1">
-                    <a:lumMod val="50000"/>
-                  </a:schemeClr>
-                </a:solidFill>
-              </a:rPr>
-              <a:t>3. Boolean execute()</a:t>
-            </a:r>
-          </a:p>
-          <a:p>
-            <a:r>
-              <a:rPr lang="en-US" sz="2000" b="1" dirty="0">
-                <a:solidFill>
-                  <a:schemeClr val="accent1">
-                    <a:lumMod val="50000"/>
-                  </a:schemeClr>
-                </a:solidFill>
-              </a:rPr>
-              <a:t>     (</a:t>
-            </a:r>
-            <a:r>
-              <a:rPr lang="en-US" sz="2000" b="1" dirty="0">
-                <a:solidFill>
-                  <a:srgbClr val="C00000"/>
-                </a:solidFill>
-              </a:rPr>
-              <a:t>Any SQL Query </a:t>
-            </a:r>
-            <a:r>
-              <a:rPr lang="en-US" sz="2000" b="1" dirty="0">
-                <a:solidFill>
-                  <a:schemeClr val="accent1">
-                    <a:lumMod val="50000"/>
-                  </a:schemeClr>
-                </a:solidFill>
-              </a:rPr>
-              <a:t>including Select)</a:t>
-            </a:r>
-          </a:p>
-        </p:txBody>
-      </p:sp>
+      </p:cxnSp>
+      <p:cxnSp>
+        <p:nvCxnSpPr>
+          <p:cNvPr id="28" name="Straight Arrow Connector 27"/>
+          <p:cNvCxnSpPr/>
+          <p:nvPr/>
+        </p:nvCxnSpPr>
+        <p:spPr>
+          <a:xfrm>
+            <a:off x="3980604" y="3928929"/>
+            <a:ext cx="1150859" cy="2"/>
+          </a:xfrm>
+          <a:prstGeom prst="straightConnector1">
+            <a:avLst/>
+          </a:prstGeom>
+          <a:ln>
+            <a:headEnd type="triangle"/>
+            <a:tailEnd type="none"/>
+          </a:ln>
+        </p:spPr>
+        <p:style>
+          <a:lnRef idx="3">
+            <a:schemeClr val="accent4"/>
+          </a:lnRef>
+          <a:fillRef idx="0">
+            <a:schemeClr val="accent4"/>
+          </a:fillRef>
+          <a:effectRef idx="2">
+            <a:schemeClr val="accent4"/>
+          </a:effectRef>
+          <a:fontRef idx="minor">
+            <a:schemeClr val="tx1"/>
+          </a:fontRef>
+        </p:style>
+      </p:cxnSp>
     </p:spTree>
     <p:extLst>
       <p:ext uri="{BB962C8B-B14F-4D97-AF65-F5344CB8AC3E}">
-        <p14:creationId xmlns:p14="http://schemas.microsoft.com/office/powerpoint/2010/main" val="1688728173"/>
+        <p14:creationId xmlns:p14="http://schemas.microsoft.com/office/powerpoint/2010/main" val="168510518"/>
       </p:ext>
     </p:extLst>
   </p:cSld>
@@ -14547,14 +14345,14 @@
       </p:grpSpPr>
       <p:sp>
         <p:nvSpPr>
-          <p:cNvPr id="4" name="Rounded Rectangle 3"/>
+          <p:cNvPr id="12" name="Rounded Rectangle 11"/>
           <p:cNvSpPr/>
           <p:nvPr/>
         </p:nvSpPr>
         <p:spPr>
           <a:xfrm>
-            <a:off x="755578" y="557972"/>
-            <a:ext cx="1296144" cy="2438980"/>
+            <a:off x="827586" y="718798"/>
+            <a:ext cx="1512169" cy="720080"/>
           </a:xfrm>
           <a:prstGeom prst="roundRect">
             <a:avLst/>
@@ -14592,21 +14390,234 @@
                   </a:schemeClr>
                 </a:solidFill>
               </a:rPr>
-              <a:t>JDBC</a:t>
-            </a:r>
-          </a:p>
-        </p:txBody>
-      </p:sp>
-      <p:sp>
-        <p:nvSpPr>
-          <p:cNvPr id="15" name="TextBox 14"/>
+              <a:t>SQL </a:t>
+            </a:r>
+          </a:p>
+          <a:p>
+            <a:pPr algn="ctr"/>
+            <a:r>
+              <a:rPr lang="en-US" sz="1801" b="1" dirty="0">
+                <a:solidFill>
+                  <a:schemeClr val="accent1">
+                    <a:lumMod val="75000"/>
+                  </a:schemeClr>
+                </a:solidFill>
+              </a:rPr>
+              <a:t>Queries</a:t>
+            </a:r>
+          </a:p>
+        </p:txBody>
+      </p:sp>
+      <p:cxnSp>
+        <p:nvCxnSpPr>
+          <p:cNvPr id="3" name="Elbow Connector 2"/>
+          <p:cNvCxnSpPr>
+            <a:stCxn id="12" idx="3"/>
+          </p:cNvCxnSpPr>
+          <p:nvPr/>
+        </p:nvCxnSpPr>
+        <p:spPr>
+          <a:xfrm flipV="1">
+            <a:off x="2339752" y="430767"/>
+            <a:ext cx="1656185" cy="648073"/>
+          </a:xfrm>
+          <a:prstGeom prst="bentConnector3">
+            <a:avLst/>
+          </a:prstGeom>
+          <a:ln>
+            <a:tailEnd type="triangle"/>
+          </a:ln>
+        </p:spPr>
+        <p:style>
+          <a:lnRef idx="2">
+            <a:schemeClr val="accent1"/>
+          </a:lnRef>
+          <a:fillRef idx="0">
+            <a:schemeClr val="accent1"/>
+          </a:fillRef>
+          <a:effectRef idx="1">
+            <a:schemeClr val="accent1"/>
+          </a:effectRef>
+          <a:fontRef idx="minor">
+            <a:schemeClr val="tx1"/>
+          </a:fontRef>
+        </p:style>
+      </p:cxnSp>
+      <p:cxnSp>
+        <p:nvCxnSpPr>
+          <p:cNvPr id="14" name="Elbow Connector 13"/>
+          <p:cNvCxnSpPr>
+            <a:stCxn id="12" idx="3"/>
+          </p:cNvCxnSpPr>
+          <p:nvPr/>
+        </p:nvCxnSpPr>
+        <p:spPr>
+          <a:xfrm>
+            <a:off x="2339752" y="1078836"/>
+            <a:ext cx="1656185" cy="576064"/>
+          </a:xfrm>
+          <a:prstGeom prst="bentConnector3">
+            <a:avLst/>
+          </a:prstGeom>
+          <a:ln>
+            <a:tailEnd type="triangle"/>
+          </a:ln>
+        </p:spPr>
+        <p:style>
+          <a:lnRef idx="2">
+            <a:schemeClr val="accent1"/>
+          </a:lnRef>
+          <a:fillRef idx="0">
+            <a:schemeClr val="accent1"/>
+          </a:fillRef>
+          <a:effectRef idx="1">
+            <a:schemeClr val="accent1"/>
+          </a:effectRef>
+          <a:fontRef idx="minor">
+            <a:schemeClr val="tx1"/>
+          </a:fontRef>
+        </p:style>
+      </p:cxnSp>
+      <p:sp>
+        <p:nvSpPr>
+          <p:cNvPr id="16" name="TextBox 15"/>
           <p:cNvSpPr txBox="1"/>
           <p:nvPr/>
         </p:nvSpPr>
         <p:spPr>
           <a:xfrm>
-            <a:off x="3635897" y="548680"/>
-            <a:ext cx="2088233" cy="369460"/>
+            <a:off x="4355977" y="107603"/>
+            <a:ext cx="2877198" cy="646587"/>
+          </a:xfrm>
+          <a:prstGeom prst="rect">
+            <a:avLst/>
+          </a:prstGeom>
+          <a:noFill/>
+        </p:spPr>
+        <p:txBody>
+          <a:bodyPr wrap="none" rtlCol="0">
+            <a:spAutoFit/>
+          </a:bodyPr>
+          <a:lstStyle/>
+          <a:p>
+            <a:r>
+              <a:rPr lang="en-US" sz="1801" b="1" dirty="0">
+                <a:solidFill>
+                  <a:schemeClr val="accent1">
+                    <a:lumMod val="50000"/>
+                  </a:schemeClr>
+                </a:solidFill>
+              </a:rPr>
+              <a:t>No. of Rows Affected Count </a:t>
+            </a:r>
+          </a:p>
+          <a:p>
+            <a:r>
+              <a:rPr lang="en-US" sz="1801" b="1" dirty="0">
+                <a:solidFill>
+                  <a:schemeClr val="accent1">
+                    <a:lumMod val="50000"/>
+                  </a:schemeClr>
+                </a:solidFill>
+              </a:rPr>
+              <a:t>(</a:t>
+            </a:r>
+            <a:r>
+              <a:rPr lang="en-US" sz="1801" b="1" dirty="0">
+                <a:solidFill>
+                  <a:srgbClr val="C00000"/>
+                </a:solidFill>
+              </a:rPr>
+              <a:t>Other than Select </a:t>
+            </a:r>
+            <a:r>
+              <a:rPr lang="en-US" sz="1801" b="1" dirty="0">
+                <a:solidFill>
+                  <a:schemeClr val="accent1">
+                    <a:lumMod val="50000"/>
+                  </a:schemeClr>
+                </a:solidFill>
+              </a:rPr>
+              <a:t>Queries)</a:t>
+            </a:r>
+          </a:p>
+        </p:txBody>
+      </p:sp>
+      <p:sp>
+        <p:nvSpPr>
+          <p:cNvPr id="17" name="TextBox 16"/>
+          <p:cNvSpPr txBox="1"/>
+          <p:nvPr/>
+        </p:nvSpPr>
+        <p:spPr>
+          <a:xfrm>
+            <a:off x="4346717" y="1331738"/>
+            <a:ext cx="2589363" cy="646587"/>
+          </a:xfrm>
+          <a:prstGeom prst="rect">
+            <a:avLst/>
+          </a:prstGeom>
+          <a:noFill/>
+        </p:spPr>
+        <p:txBody>
+          <a:bodyPr wrap="none" rtlCol="0">
+            <a:spAutoFit/>
+          </a:bodyPr>
+          <a:lstStyle/>
+          <a:p>
+            <a:r>
+              <a:rPr lang="en-US" sz="1801" b="1" dirty="0">
+                <a:solidFill>
+                  <a:schemeClr val="accent1">
+                    <a:lumMod val="50000"/>
+                  </a:schemeClr>
+                </a:solidFill>
+              </a:rPr>
+              <a:t>DB Results</a:t>
+            </a:r>
+          </a:p>
+          <a:p>
+            <a:r>
+              <a:rPr lang="en-US" sz="1801" b="1" dirty="0">
+                <a:solidFill>
+                  <a:schemeClr val="accent1">
+                    <a:lumMod val="50000"/>
+                  </a:schemeClr>
+                </a:solidFill>
+              </a:rPr>
+              <a:t>(</a:t>
+            </a:r>
+            <a:r>
+              <a:rPr lang="en-US" sz="1801" b="1" dirty="0">
+                <a:solidFill>
+                  <a:srgbClr val="C00000"/>
+                </a:solidFill>
+              </a:rPr>
+              <a:t>ONLY for Select </a:t>
+            </a:r>
+            <a:r>
+              <a:rPr lang="en-US" sz="1801" b="1" dirty="0">
+                <a:solidFill>
+                  <a:schemeClr val="accent1">
+                    <a:lumMod val="50000"/>
+                  </a:schemeClr>
+                </a:solidFill>
+              </a:rPr>
+              <a:t>Queries)</a:t>
+            </a:r>
+          </a:p>
+        </p:txBody>
+      </p:sp>
+      <p:sp>
+        <p:nvSpPr>
+          <p:cNvPr id="18" name="TextBox 17"/>
+          <p:cNvSpPr txBox="1"/>
+          <p:nvPr/>
+        </p:nvSpPr>
+        <p:spPr>
+          <a:xfrm>
+            <a:off x="2159733" y="2071782"/>
+            <a:ext cx="4392489" cy="646331"/>
           </a:xfrm>
           <a:prstGeom prst="rect">
             <a:avLst/>
@@ -14620,22 +14631,22 @@
           <a:lstStyle/>
           <a:p>
             <a:r>
-              <a:rPr lang="en-US" sz="1801" b="1" dirty="0"/>
-              <a:t>Begin Transaction</a:t>
-            </a:r>
-          </a:p>
-        </p:txBody>
-      </p:sp>
-      <p:sp>
-        <p:nvSpPr>
-          <p:cNvPr id="7" name="TextBox 6"/>
+              <a:rPr lang="en-US" sz="3600" b="1" u="sng" dirty="0"/>
+              <a:t>JDBC Statements</a:t>
+            </a:r>
+          </a:p>
+        </p:txBody>
+      </p:sp>
+      <p:sp>
+        <p:nvSpPr>
+          <p:cNvPr id="19" name="TextBox 18"/>
           <p:cNvSpPr txBox="1"/>
           <p:nvPr/>
         </p:nvSpPr>
         <p:spPr>
           <a:xfrm>
-            <a:off x="7770281" y="1592795"/>
-            <a:ext cx="460382" cy="369460"/>
+            <a:off x="52651" y="3274211"/>
+            <a:ext cx="4035207" cy="2554545"/>
           </a:xfrm>
           <a:prstGeom prst="rect">
             <a:avLst/>
@@ -14649,16 +14660,48 @@
           <a:lstStyle/>
           <a:p>
             <a:r>
-              <a:rPr lang="en-US" sz="1801" b="1" dirty="0">
+              <a:rPr lang="en-US" sz="2000" b="1" dirty="0">
                 <a:solidFill>
                   <a:schemeClr val="accent1">
                     <a:lumMod val="50000"/>
                   </a:schemeClr>
                 </a:solidFill>
               </a:rPr>
-              <a:t>DB</a:t>
-            </a:r>
-            <a:endParaRPr lang="en-IN" sz="1801" b="1" dirty="0">
+              <a:t>1. Statement  </a:t>
+            </a:r>
+          </a:p>
+          <a:p>
+            <a:r>
+              <a:rPr lang="en-US" sz="2000" b="1" dirty="0">
+                <a:solidFill>
+                  <a:schemeClr val="accent1">
+                    <a:lumMod val="50000"/>
+                  </a:schemeClr>
+                </a:solidFill>
+              </a:rPr>
+              <a:t>    (for </a:t>
+            </a:r>
+            <a:r>
+              <a:rPr lang="en-US" sz="2000" b="1" dirty="0">
+                <a:solidFill>
+                  <a:srgbClr val="C00000"/>
+                </a:solidFill>
+              </a:rPr>
+              <a:t>Static SQL </a:t>
+            </a:r>
+            <a:r>
+              <a:rPr lang="en-US" sz="2000" b="1" dirty="0">
+                <a:solidFill>
+                  <a:schemeClr val="accent1">
+                    <a:lumMod val="50000"/>
+                  </a:schemeClr>
+                </a:solidFill>
+              </a:rPr>
+              <a:t>Queries)</a:t>
+            </a:r>
+          </a:p>
+          <a:p>
+            <a:endParaRPr lang="en-US" sz="2000" b="1" dirty="0">
               <a:solidFill>
                 <a:schemeClr val="accent1">
                   <a:lumMod val="50000"/>
@@ -14666,485 +14709,50 @@
               </a:solidFill>
             </a:endParaRPr>
           </a:p>
-        </p:txBody>
-      </p:sp>
-      <p:sp>
-        <p:nvSpPr>
-          <p:cNvPr id="9" name="Flowchart: Magnetic Disk 8"/>
-          <p:cNvSpPr/>
-          <p:nvPr/>
-        </p:nvSpPr>
-        <p:spPr>
-          <a:xfrm>
-            <a:off x="7308306" y="557972"/>
-            <a:ext cx="1330108" cy="2438980"/>
-          </a:xfrm>
-          <a:prstGeom prst="flowChartMagneticDisk">
-            <a:avLst/>
-          </a:prstGeom>
-          <a:noFill/>
-        </p:spPr>
-        <p:style>
-          <a:lnRef idx="2">
-            <a:schemeClr val="accent1">
-              <a:shade val="50000"/>
-            </a:schemeClr>
-          </a:lnRef>
-          <a:fillRef idx="1">
-            <a:schemeClr val="accent1"/>
-          </a:fillRef>
-          <a:effectRef idx="0">
-            <a:schemeClr val="accent1"/>
-          </a:effectRef>
-          <a:fontRef idx="minor">
-            <a:schemeClr val="lt1"/>
-          </a:fontRef>
-        </p:style>
-        <p:txBody>
-          <a:bodyPr rtlCol="0" anchor="ctr"/>
-          <a:lstStyle/>
-          <a:p>
-            <a:pPr algn="ctr"/>
-            <a:endParaRPr lang="en-US" sz="1801"/>
-          </a:p>
-        </p:txBody>
-      </p:sp>
-      <p:cxnSp>
-        <p:nvCxnSpPr>
-          <p:cNvPr id="11" name="Straight Arrow Connector 10"/>
-          <p:cNvCxnSpPr/>
-          <p:nvPr/>
-        </p:nvCxnSpPr>
-        <p:spPr>
-          <a:xfrm>
-            <a:off x="2051721" y="918012"/>
-            <a:ext cx="5256585" cy="0"/>
-          </a:xfrm>
-          <a:prstGeom prst="straightConnector1">
-            <a:avLst/>
-          </a:prstGeom>
-          <a:ln>
-            <a:tailEnd type="arrow"/>
-          </a:ln>
-        </p:spPr>
-        <p:style>
-          <a:lnRef idx="2">
-            <a:schemeClr val="accent1"/>
-          </a:lnRef>
-          <a:fillRef idx="0">
-            <a:schemeClr val="accent1"/>
-          </a:fillRef>
-          <a:effectRef idx="1">
-            <a:schemeClr val="accent1"/>
-          </a:effectRef>
-          <a:fontRef idx="minor">
-            <a:schemeClr val="tx1"/>
-          </a:fontRef>
-        </p:style>
-      </p:cxnSp>
-      <p:sp>
-        <p:nvSpPr>
-          <p:cNvPr id="13" name="Flowchart: Connector 12"/>
-          <p:cNvSpPr/>
-          <p:nvPr/>
-        </p:nvSpPr>
-        <p:spPr>
-          <a:xfrm>
-            <a:off x="2555780" y="548683"/>
-            <a:ext cx="331959" cy="345502"/>
-          </a:xfrm>
-          <a:prstGeom prst="flowChartConnector">
-            <a:avLst/>
-          </a:prstGeom>
-          <a:noFill/>
-        </p:spPr>
-        <p:style>
-          <a:lnRef idx="2">
-            <a:schemeClr val="accent1"/>
-          </a:lnRef>
-          <a:fillRef idx="1">
-            <a:schemeClr val="lt1"/>
-          </a:fillRef>
-          <a:effectRef idx="0">
-            <a:schemeClr val="accent1"/>
-          </a:effectRef>
-          <a:fontRef idx="minor">
-            <a:schemeClr val="dk1"/>
-          </a:fontRef>
-        </p:style>
-        <p:txBody>
-          <a:bodyPr rtlCol="0" anchor="ctr"/>
-          <a:lstStyle/>
-          <a:p>
-            <a:pPr algn="ctr"/>
-            <a:r>
-              <a:rPr lang="en-US" sz="1801" b="1" dirty="0"/>
-              <a:t>1</a:t>
-            </a:r>
-            <a:endParaRPr lang="en-IN" sz="1801" b="1" dirty="0"/>
-          </a:p>
-        </p:txBody>
-      </p:sp>
-      <p:sp>
-        <p:nvSpPr>
-          <p:cNvPr id="14" name="TextBox 13"/>
-          <p:cNvSpPr txBox="1"/>
-          <p:nvPr/>
-        </p:nvSpPr>
-        <p:spPr>
-          <a:xfrm>
-            <a:off x="3635898" y="1084094"/>
-            <a:ext cx="3453008" cy="369460"/>
-          </a:xfrm>
-          <a:prstGeom prst="rect">
-            <a:avLst/>
-          </a:prstGeom>
-          <a:noFill/>
-        </p:spPr>
-        <p:txBody>
-          <a:bodyPr wrap="square" rtlCol="0">
-            <a:spAutoFit/>
-          </a:bodyPr>
-          <a:lstStyle/>
-          <a:p>
-            <a:r>
-              <a:rPr lang="en-US" sz="1801" b="1" dirty="0"/>
-              <a:t>Issue One / More SQL Queries</a:t>
-            </a:r>
-          </a:p>
-        </p:txBody>
-      </p:sp>
-      <p:cxnSp>
-        <p:nvCxnSpPr>
-          <p:cNvPr id="16" name="Straight Arrow Connector 15"/>
-          <p:cNvCxnSpPr/>
-          <p:nvPr/>
-        </p:nvCxnSpPr>
-        <p:spPr>
-          <a:xfrm>
-            <a:off x="2055099" y="1453427"/>
-            <a:ext cx="5256585" cy="0"/>
-          </a:xfrm>
-          <a:prstGeom prst="straightConnector1">
-            <a:avLst/>
-          </a:prstGeom>
-          <a:ln>
-            <a:tailEnd type="arrow"/>
-          </a:ln>
-        </p:spPr>
-        <p:style>
-          <a:lnRef idx="2">
-            <a:schemeClr val="accent1"/>
-          </a:lnRef>
-          <a:fillRef idx="0">
-            <a:schemeClr val="accent1"/>
-          </a:fillRef>
-          <a:effectRef idx="1">
-            <a:schemeClr val="accent1"/>
-          </a:effectRef>
-          <a:fontRef idx="minor">
-            <a:schemeClr val="tx1"/>
-          </a:fontRef>
-        </p:style>
-      </p:cxnSp>
-      <p:sp>
-        <p:nvSpPr>
-          <p:cNvPr id="17" name="Flowchart: Connector 16"/>
-          <p:cNvSpPr/>
-          <p:nvPr/>
-        </p:nvSpPr>
-        <p:spPr>
-          <a:xfrm>
-            <a:off x="2555780" y="1084096"/>
-            <a:ext cx="331959" cy="345502"/>
-          </a:xfrm>
-          <a:prstGeom prst="flowChartConnector">
-            <a:avLst/>
-          </a:prstGeom>
-          <a:noFill/>
-        </p:spPr>
-        <p:style>
-          <a:lnRef idx="2">
-            <a:schemeClr val="accent1"/>
-          </a:lnRef>
-          <a:fillRef idx="1">
-            <a:schemeClr val="lt1"/>
-          </a:fillRef>
-          <a:effectRef idx="0">
-            <a:schemeClr val="accent1"/>
-          </a:effectRef>
-          <a:fontRef idx="minor">
-            <a:schemeClr val="dk1"/>
-          </a:fontRef>
-        </p:style>
-        <p:txBody>
-          <a:bodyPr rtlCol="0" anchor="ctr"/>
-          <a:lstStyle/>
-          <a:p>
-            <a:pPr algn="ctr"/>
-            <a:r>
-              <a:rPr lang="en-US" sz="1801" b="1" dirty="0"/>
-              <a:t>2</a:t>
-            </a:r>
-            <a:endParaRPr lang="en-IN" sz="1801" b="1" dirty="0"/>
-          </a:p>
-        </p:txBody>
-      </p:sp>
-      <p:sp>
-        <p:nvSpPr>
-          <p:cNvPr id="18" name="TextBox 17"/>
-          <p:cNvSpPr txBox="1"/>
-          <p:nvPr/>
-        </p:nvSpPr>
-        <p:spPr>
-          <a:xfrm>
-            <a:off x="3646168" y="1782414"/>
-            <a:ext cx="3453008" cy="369460"/>
-          </a:xfrm>
-          <a:prstGeom prst="rect">
-            <a:avLst/>
-          </a:prstGeom>
-          <a:noFill/>
-        </p:spPr>
-        <p:txBody>
-          <a:bodyPr wrap="square" rtlCol="0">
-            <a:spAutoFit/>
-          </a:bodyPr>
-          <a:lstStyle/>
-          <a:p>
-            <a:r>
-              <a:rPr lang="en-US" sz="1801" b="1" dirty="0"/>
-              <a:t>Commit the Transaction</a:t>
-            </a:r>
-          </a:p>
-        </p:txBody>
-      </p:sp>
-      <p:cxnSp>
-        <p:nvCxnSpPr>
-          <p:cNvPr id="19" name="Straight Arrow Connector 18"/>
-          <p:cNvCxnSpPr/>
-          <p:nvPr/>
-        </p:nvCxnSpPr>
-        <p:spPr>
-          <a:xfrm>
-            <a:off x="2065369" y="2151747"/>
-            <a:ext cx="5256585" cy="0"/>
-          </a:xfrm>
-          <a:prstGeom prst="straightConnector1">
-            <a:avLst/>
-          </a:prstGeom>
-          <a:ln>
-            <a:tailEnd type="arrow"/>
-          </a:ln>
-        </p:spPr>
-        <p:style>
-          <a:lnRef idx="2">
-            <a:schemeClr val="accent1"/>
-          </a:lnRef>
-          <a:fillRef idx="0">
-            <a:schemeClr val="accent1"/>
-          </a:fillRef>
-          <a:effectRef idx="1">
-            <a:schemeClr val="accent1"/>
-          </a:effectRef>
-          <a:fontRef idx="minor">
-            <a:schemeClr val="tx1"/>
-          </a:fontRef>
-        </p:style>
-      </p:cxnSp>
-      <p:sp>
-        <p:nvSpPr>
-          <p:cNvPr id="20" name="Flowchart: Connector 19"/>
-          <p:cNvSpPr/>
-          <p:nvPr/>
-        </p:nvSpPr>
-        <p:spPr>
-          <a:xfrm>
-            <a:off x="2555778" y="2180116"/>
-            <a:ext cx="331959" cy="345502"/>
-          </a:xfrm>
-          <a:prstGeom prst="flowChartConnector">
-            <a:avLst/>
-          </a:prstGeom>
-          <a:noFill/>
-        </p:spPr>
-        <p:style>
-          <a:lnRef idx="2">
-            <a:schemeClr val="accent1"/>
-          </a:lnRef>
-          <a:fillRef idx="1">
-            <a:schemeClr val="lt1"/>
-          </a:fillRef>
-          <a:effectRef idx="0">
-            <a:schemeClr val="accent1"/>
-          </a:effectRef>
-          <a:fontRef idx="minor">
-            <a:schemeClr val="dk1"/>
-          </a:fontRef>
-        </p:style>
-        <p:txBody>
-          <a:bodyPr rtlCol="0" anchor="ctr"/>
-          <a:lstStyle/>
-          <a:p>
-            <a:pPr algn="ctr"/>
-            <a:r>
-              <a:rPr lang="en-IN" sz="1801" b="1" dirty="0"/>
-              <a:t>3</a:t>
-            </a:r>
-          </a:p>
-        </p:txBody>
-      </p:sp>
-      <p:sp>
-        <p:nvSpPr>
-          <p:cNvPr id="21" name="TextBox 20"/>
-          <p:cNvSpPr txBox="1"/>
-          <p:nvPr/>
-        </p:nvSpPr>
-        <p:spPr>
-          <a:xfrm>
-            <a:off x="3635898" y="2553602"/>
-            <a:ext cx="3453008" cy="369460"/>
-          </a:xfrm>
-          <a:prstGeom prst="rect">
-            <a:avLst/>
-          </a:prstGeom>
-          <a:noFill/>
-        </p:spPr>
-        <p:txBody>
-          <a:bodyPr wrap="square" rtlCol="0">
-            <a:spAutoFit/>
-          </a:bodyPr>
-          <a:lstStyle/>
-          <a:p>
-            <a:r>
-              <a:rPr lang="en-US" sz="1801" b="1" dirty="0"/>
-              <a:t>Rollback the Transaction</a:t>
-            </a:r>
-          </a:p>
-        </p:txBody>
-      </p:sp>
-      <p:cxnSp>
-        <p:nvCxnSpPr>
-          <p:cNvPr id="22" name="Straight Arrow Connector 21"/>
-          <p:cNvCxnSpPr/>
-          <p:nvPr/>
-        </p:nvCxnSpPr>
-        <p:spPr>
-          <a:xfrm>
-            <a:off x="2065369" y="2549444"/>
-            <a:ext cx="5256585" cy="0"/>
-          </a:xfrm>
-          <a:prstGeom prst="straightConnector1">
-            <a:avLst/>
-          </a:prstGeom>
-          <a:ln>
-            <a:tailEnd type="arrow"/>
-          </a:ln>
-        </p:spPr>
-        <p:style>
-          <a:lnRef idx="2">
-            <a:schemeClr val="accent1"/>
-          </a:lnRef>
-          <a:fillRef idx="0">
-            <a:schemeClr val="accent1"/>
-          </a:fillRef>
-          <a:effectRef idx="1">
-            <a:schemeClr val="accent1"/>
-          </a:effectRef>
-          <a:fontRef idx="minor">
-            <a:schemeClr val="tx1"/>
-          </a:fontRef>
-        </p:style>
-      </p:cxnSp>
-      <p:sp>
-        <p:nvSpPr>
-          <p:cNvPr id="23" name="TextBox 22"/>
-          <p:cNvSpPr txBox="1"/>
-          <p:nvPr/>
-        </p:nvSpPr>
-        <p:spPr>
-          <a:xfrm>
-            <a:off x="755579" y="3356994"/>
-            <a:ext cx="7704855" cy="2586477"/>
-          </a:xfrm>
-          <a:prstGeom prst="rect">
-            <a:avLst/>
-          </a:prstGeom>
-          <a:noFill/>
-          <a:ln>
-            <a:solidFill>
-              <a:schemeClr val="accent1"/>
-            </a:solidFill>
-            <a:prstDash val="lgDashDot"/>
-          </a:ln>
-        </p:spPr>
-        <p:txBody>
-          <a:bodyPr wrap="square" rtlCol="0">
-            <a:spAutoFit/>
-          </a:bodyPr>
-          <a:lstStyle/>
-          <a:p>
-            <a:r>
-              <a:rPr lang="en-US" sz="1801" dirty="0">
+          <a:p>
+            <a:r>
+              <a:rPr lang="en-US" sz="2000" b="1" dirty="0">
                 <a:solidFill>
                   <a:schemeClr val="accent1">
                     <a:lumMod val="50000"/>
                   </a:schemeClr>
                 </a:solidFill>
               </a:rPr>
-              <a:t>Incase of transaction DB Server keeps all the SQL Queries in cache. </a:t>
-            </a:r>
-          </a:p>
-          <a:p>
-            <a:r>
-              <a:rPr lang="en-US" sz="1801" dirty="0">
+              <a:t>2. PreparedStatement</a:t>
+            </a:r>
+          </a:p>
+          <a:p>
+            <a:r>
+              <a:rPr lang="en-US" sz="2000" b="1" dirty="0">
                 <a:solidFill>
                   <a:schemeClr val="accent1">
                     <a:lumMod val="50000"/>
                   </a:schemeClr>
                 </a:solidFill>
               </a:rPr>
-              <a:t>It does not executes directly on the tables instead it waits for further instruction from the program.</a:t>
-            </a:r>
-          </a:p>
-          <a:p>
-            <a:pPr marL="285753" indent="-285753">
-              <a:buFont typeface="Wingdings"/>
-              <a:buChar char="Ø"/>
-            </a:pPr>
-            <a:r>
-              <a:rPr lang="en-US" sz="1801" dirty="0">
+              <a:t>     (for </a:t>
+            </a:r>
+            <a:r>
+              <a:rPr lang="en-US" sz="2000" b="1" dirty="0">
+                <a:solidFill>
+                  <a:srgbClr val="C00000"/>
+                </a:solidFill>
+              </a:rPr>
+              <a:t>Dynamic SQL </a:t>
+            </a:r>
+            <a:r>
+              <a:rPr lang="en-US" sz="2000" b="1" dirty="0">
                 <a:solidFill>
                   <a:schemeClr val="accent1">
                     <a:lumMod val="50000"/>
                   </a:schemeClr>
                 </a:solidFill>
               </a:rPr>
-              <a:t>If program gives “commit” instruction then DB server make the permanent changes on the corresponding tables</a:t>
-            </a:r>
-          </a:p>
-          <a:p>
-            <a:pPr marL="285753" indent="-285753">
-              <a:buFont typeface="Wingdings"/>
-              <a:buChar char="Ø"/>
-            </a:pPr>
-            <a:r>
-              <a:rPr lang="en-US" sz="1801" dirty="0">
-                <a:solidFill>
-                  <a:schemeClr val="accent1">
-                    <a:lumMod val="50000"/>
-                  </a:schemeClr>
-                </a:solidFill>
-              </a:rPr>
-              <a:t>If program gives “rollback” instruction then DB server just ignores the queries present in the cache</a:t>
-            </a:r>
-          </a:p>
-          <a:p>
-            <a:pPr marL="285753" indent="-285753">
-              <a:buFont typeface="Wingdings"/>
-              <a:buChar char="Ø"/>
-            </a:pPr>
-            <a:endParaRPr lang="en-US" sz="1801" dirty="0">
+              <a:t>Queries)</a:t>
+            </a:r>
+          </a:p>
+          <a:p>
+            <a:endParaRPr lang="en-US" sz="2000" b="1" dirty="0">
               <a:solidFill>
                 <a:schemeClr val="accent1">
                   <a:lumMod val="50000"/>
@@ -15153,14 +14761,258 @@
             </a:endParaRPr>
           </a:p>
           <a:p>
-            <a:endParaRPr lang="en-US" sz="1801" dirty="0"/>
+            <a:r>
+              <a:rPr lang="en-US" sz="2000" b="1" dirty="0">
+                <a:solidFill>
+                  <a:schemeClr val="accent1">
+                    <a:lumMod val="50000"/>
+                  </a:schemeClr>
+                </a:solidFill>
+              </a:rPr>
+              <a:t>3. CallableStatement</a:t>
+            </a:r>
+          </a:p>
+          <a:p>
+            <a:r>
+              <a:rPr lang="en-US" sz="2000" b="1" dirty="0">
+                <a:solidFill>
+                  <a:schemeClr val="accent1">
+                    <a:lumMod val="50000"/>
+                  </a:schemeClr>
+                </a:solidFill>
+              </a:rPr>
+              <a:t>     (for executing </a:t>
+            </a:r>
+            <a:r>
+              <a:rPr lang="en-US" sz="2000" b="1" dirty="0">
+                <a:solidFill>
+                  <a:srgbClr val="C00000"/>
+                </a:solidFill>
+              </a:rPr>
+              <a:t>Stored Procedures</a:t>
+            </a:r>
+            <a:r>
+              <a:rPr lang="en-US" sz="2000" b="1" dirty="0">
+                <a:solidFill>
+                  <a:schemeClr val="accent1">
+                    <a:lumMod val="50000"/>
+                  </a:schemeClr>
+                </a:solidFill>
+              </a:rPr>
+              <a:t>)</a:t>
+            </a:r>
+          </a:p>
+        </p:txBody>
+      </p:sp>
+      <p:sp>
+        <p:nvSpPr>
+          <p:cNvPr id="20" name="Right Brace 19"/>
+          <p:cNvSpPr/>
+          <p:nvPr/>
+        </p:nvSpPr>
+        <p:spPr>
+          <a:xfrm>
+            <a:off x="4064162" y="3111757"/>
+            <a:ext cx="337774" cy="2879451"/>
+          </a:xfrm>
+          <a:prstGeom prst="rightBrace">
+            <a:avLst/>
+          </a:prstGeom>
+        </p:spPr>
+        <p:style>
+          <a:lnRef idx="2">
+            <a:schemeClr val="accent1"/>
+          </a:lnRef>
+          <a:fillRef idx="0">
+            <a:schemeClr val="accent1"/>
+          </a:fillRef>
+          <a:effectRef idx="1">
+            <a:schemeClr val="accent1"/>
+          </a:effectRef>
+          <a:fontRef idx="minor">
+            <a:schemeClr val="tx1"/>
+          </a:fontRef>
+        </p:style>
+        <p:txBody>
+          <a:bodyPr rtlCol="0" anchor="ctr"/>
+          <a:lstStyle/>
+          <a:p>
+            <a:pPr algn="ctr"/>
+            <a:endParaRPr lang="en-US" sz="1801"/>
+          </a:p>
+        </p:txBody>
+      </p:sp>
+      <p:sp>
+        <p:nvSpPr>
+          <p:cNvPr id="21" name="TextBox 20"/>
+          <p:cNvSpPr txBox="1"/>
+          <p:nvPr/>
+        </p:nvSpPr>
+        <p:spPr>
+          <a:xfrm>
+            <a:off x="4716016" y="3274211"/>
+            <a:ext cx="3948260" cy="2554545"/>
+          </a:xfrm>
+          <a:prstGeom prst="rect">
+            <a:avLst/>
+          </a:prstGeom>
+          <a:noFill/>
+        </p:spPr>
+        <p:txBody>
+          <a:bodyPr wrap="none" rtlCol="0">
+            <a:spAutoFit/>
+          </a:bodyPr>
+          <a:lstStyle/>
+          <a:p>
+            <a:r>
+              <a:rPr lang="en-US" sz="2000" b="1" dirty="0">
+                <a:solidFill>
+                  <a:schemeClr val="accent1">
+                    <a:lumMod val="50000"/>
+                  </a:schemeClr>
+                </a:solidFill>
+              </a:rPr>
+              <a:t>1. int executeUpdate()  </a:t>
+            </a:r>
+          </a:p>
+          <a:p>
+            <a:r>
+              <a:rPr lang="en-US" sz="2000" b="1" dirty="0">
+                <a:solidFill>
+                  <a:schemeClr val="accent1">
+                    <a:lumMod val="50000"/>
+                  </a:schemeClr>
+                </a:solidFill>
+              </a:rPr>
+              <a:t>    (</a:t>
+            </a:r>
+            <a:r>
+              <a:rPr lang="en-US" sz="2000" b="1" dirty="0">
+                <a:solidFill>
+                  <a:srgbClr val="C00000"/>
+                </a:solidFill>
+              </a:rPr>
+              <a:t>Other than Select </a:t>
+            </a:r>
+            <a:r>
+              <a:rPr lang="en-US" sz="2000" b="1" dirty="0">
+                <a:solidFill>
+                  <a:schemeClr val="accent1">
+                    <a:lumMod val="50000"/>
+                  </a:schemeClr>
+                </a:solidFill>
+              </a:rPr>
+              <a:t>SQL Queries)</a:t>
+            </a:r>
+          </a:p>
+          <a:p>
+            <a:endParaRPr lang="en-US" sz="2000" b="1" dirty="0">
+              <a:solidFill>
+                <a:schemeClr val="accent1">
+                  <a:lumMod val="50000"/>
+                </a:schemeClr>
+              </a:solidFill>
+            </a:endParaRPr>
+          </a:p>
+          <a:p>
+            <a:r>
+              <a:rPr lang="en-US" sz="2000" b="1" dirty="0">
+                <a:solidFill>
+                  <a:schemeClr val="accent1">
+                    <a:lumMod val="50000"/>
+                  </a:schemeClr>
+                </a:solidFill>
+              </a:rPr>
+              <a:t>2. ResultSet executeQuery()</a:t>
+            </a:r>
+          </a:p>
+          <a:p>
+            <a:r>
+              <a:rPr lang="en-US" sz="2000" b="1" dirty="0">
+                <a:solidFill>
+                  <a:schemeClr val="accent1">
+                    <a:lumMod val="50000"/>
+                  </a:schemeClr>
+                </a:solidFill>
+              </a:rPr>
+              <a:t>     (</a:t>
+            </a:r>
+            <a:r>
+              <a:rPr lang="en-US" sz="2000" b="1" dirty="0">
+                <a:solidFill>
+                  <a:srgbClr val="C00000"/>
+                </a:solidFill>
+              </a:rPr>
+              <a:t>ONLY for Select </a:t>
+            </a:r>
+            <a:r>
+              <a:rPr lang="en-US" sz="2000" b="1" dirty="0">
+                <a:solidFill>
+                  <a:schemeClr val="accent1">
+                    <a:lumMod val="50000"/>
+                  </a:schemeClr>
+                </a:solidFill>
+              </a:rPr>
+              <a:t>SQL Queries)</a:t>
+            </a:r>
+          </a:p>
+          <a:p>
+            <a:endParaRPr lang="en-US" sz="2000" b="1" dirty="0">
+              <a:solidFill>
+                <a:schemeClr val="accent1">
+                  <a:lumMod val="50000"/>
+                </a:schemeClr>
+              </a:solidFill>
+            </a:endParaRPr>
+          </a:p>
+          <a:p>
+            <a:r>
+              <a:rPr lang="en-US" sz="2000" b="1" dirty="0">
+                <a:solidFill>
+                  <a:schemeClr val="accent1">
+                    <a:lumMod val="50000"/>
+                  </a:schemeClr>
+                </a:solidFill>
+              </a:rPr>
+              <a:t>3. Boolean execute()</a:t>
+            </a:r>
+          </a:p>
+          <a:p>
+            <a:r>
+              <a:rPr lang="en-US" sz="2000" b="1" dirty="0">
+                <a:solidFill>
+                  <a:schemeClr val="accent1">
+                    <a:lumMod val="50000"/>
+                  </a:schemeClr>
+                </a:solidFill>
+              </a:rPr>
+              <a:t>     (</a:t>
+            </a:r>
+            <a:r>
+              <a:rPr lang="en-US" sz="2000" b="1" dirty="0">
+                <a:solidFill>
+                  <a:srgbClr val="C00000"/>
+                </a:solidFill>
+              </a:rPr>
+              <a:t>Any SQL Query </a:t>
+            </a:r>
+            <a:r>
+              <a:rPr lang="en-US" sz="2000" b="1" dirty="0">
+                <a:solidFill>
+                  <a:schemeClr val="accent1">
+                    <a:lumMod val="50000"/>
+                  </a:schemeClr>
+                </a:solidFill>
+              </a:rPr>
+              <a:t>including Select)</a:t>
+            </a:r>
           </a:p>
         </p:txBody>
       </p:sp>
     </p:spTree>
     <p:extLst>
       <p:ext uri="{BB962C8B-B14F-4D97-AF65-F5344CB8AC3E}">
-        <p14:creationId xmlns:p14="http://schemas.microsoft.com/office/powerpoint/2010/main" val="916399645"/>
+        <p14:creationId xmlns:p14="http://schemas.microsoft.com/office/powerpoint/2010/main" val="1688728173"/>
       </p:ext>
     </p:extLst>
   </p:cSld>
@@ -15194,6 +15046,655 @@
           <a:chExt cx="0" cy="0"/>
         </a:xfrm>
       </p:grpSpPr>
+      <p:sp>
+        <p:nvSpPr>
+          <p:cNvPr id="4" name="Rounded Rectangle 3"/>
+          <p:cNvSpPr/>
+          <p:nvPr/>
+        </p:nvSpPr>
+        <p:spPr>
+          <a:xfrm>
+            <a:off x="755578" y="557972"/>
+            <a:ext cx="1296144" cy="2438980"/>
+          </a:xfrm>
+          <a:prstGeom prst="roundRect">
+            <a:avLst/>
+          </a:prstGeom>
+          <a:solidFill>
+            <a:schemeClr val="bg1"/>
+          </a:solidFill>
+        </p:spPr>
+        <p:style>
+          <a:lnRef idx="2">
+            <a:schemeClr val="accent1">
+              <a:shade val="50000"/>
+            </a:schemeClr>
+          </a:lnRef>
+          <a:fillRef idx="1">
+            <a:schemeClr val="accent1"/>
+          </a:fillRef>
+          <a:effectRef idx="0">
+            <a:schemeClr val="accent1"/>
+          </a:effectRef>
+          <a:fontRef idx="minor">
+            <a:schemeClr val="lt1"/>
+          </a:fontRef>
+        </p:style>
+        <p:txBody>
+          <a:bodyPr rtlCol="0" anchor="ctr"/>
+          <a:lstStyle/>
+          <a:p>
+            <a:pPr algn="ctr"/>
+            <a:r>
+              <a:rPr lang="en-US" sz="1801" b="1" dirty="0">
+                <a:solidFill>
+                  <a:schemeClr val="accent1">
+                    <a:lumMod val="75000"/>
+                  </a:schemeClr>
+                </a:solidFill>
+              </a:rPr>
+              <a:t>JDBC</a:t>
+            </a:r>
+          </a:p>
+        </p:txBody>
+      </p:sp>
+      <p:sp>
+        <p:nvSpPr>
+          <p:cNvPr id="15" name="TextBox 14"/>
+          <p:cNvSpPr txBox="1"/>
+          <p:nvPr/>
+        </p:nvSpPr>
+        <p:spPr>
+          <a:xfrm>
+            <a:off x="3635897" y="548680"/>
+            <a:ext cx="2088233" cy="369460"/>
+          </a:xfrm>
+          <a:prstGeom prst="rect">
+            <a:avLst/>
+          </a:prstGeom>
+          <a:noFill/>
+        </p:spPr>
+        <p:txBody>
+          <a:bodyPr wrap="square" rtlCol="0">
+            <a:spAutoFit/>
+          </a:bodyPr>
+          <a:lstStyle/>
+          <a:p>
+            <a:r>
+              <a:rPr lang="en-US" sz="1801" b="1" dirty="0"/>
+              <a:t>Begin Transaction</a:t>
+            </a:r>
+          </a:p>
+        </p:txBody>
+      </p:sp>
+      <p:sp>
+        <p:nvSpPr>
+          <p:cNvPr id="7" name="TextBox 6"/>
+          <p:cNvSpPr txBox="1"/>
+          <p:nvPr/>
+        </p:nvSpPr>
+        <p:spPr>
+          <a:xfrm>
+            <a:off x="7770281" y="1592795"/>
+            <a:ext cx="460382" cy="369460"/>
+          </a:xfrm>
+          <a:prstGeom prst="rect">
+            <a:avLst/>
+          </a:prstGeom>
+          <a:noFill/>
+        </p:spPr>
+        <p:txBody>
+          <a:bodyPr wrap="none" rtlCol="0">
+            <a:spAutoFit/>
+          </a:bodyPr>
+          <a:lstStyle/>
+          <a:p>
+            <a:r>
+              <a:rPr lang="en-US" sz="1801" b="1" dirty="0">
+                <a:solidFill>
+                  <a:schemeClr val="accent1">
+                    <a:lumMod val="50000"/>
+                  </a:schemeClr>
+                </a:solidFill>
+              </a:rPr>
+              <a:t>DB</a:t>
+            </a:r>
+            <a:endParaRPr lang="en-IN" sz="1801" b="1" dirty="0">
+              <a:solidFill>
+                <a:schemeClr val="accent1">
+                  <a:lumMod val="50000"/>
+                </a:schemeClr>
+              </a:solidFill>
+            </a:endParaRPr>
+          </a:p>
+        </p:txBody>
+      </p:sp>
+      <p:sp>
+        <p:nvSpPr>
+          <p:cNvPr id="9" name="Flowchart: Magnetic Disk 8"/>
+          <p:cNvSpPr/>
+          <p:nvPr/>
+        </p:nvSpPr>
+        <p:spPr>
+          <a:xfrm>
+            <a:off x="7308306" y="557972"/>
+            <a:ext cx="1330108" cy="2438980"/>
+          </a:xfrm>
+          <a:prstGeom prst="flowChartMagneticDisk">
+            <a:avLst/>
+          </a:prstGeom>
+          <a:noFill/>
+        </p:spPr>
+        <p:style>
+          <a:lnRef idx="2">
+            <a:schemeClr val="accent1">
+              <a:shade val="50000"/>
+            </a:schemeClr>
+          </a:lnRef>
+          <a:fillRef idx="1">
+            <a:schemeClr val="accent1"/>
+          </a:fillRef>
+          <a:effectRef idx="0">
+            <a:schemeClr val="accent1"/>
+          </a:effectRef>
+          <a:fontRef idx="minor">
+            <a:schemeClr val="lt1"/>
+          </a:fontRef>
+        </p:style>
+        <p:txBody>
+          <a:bodyPr rtlCol="0" anchor="ctr"/>
+          <a:lstStyle/>
+          <a:p>
+            <a:pPr algn="ctr"/>
+            <a:endParaRPr lang="en-US" sz="1801"/>
+          </a:p>
+        </p:txBody>
+      </p:sp>
+      <p:cxnSp>
+        <p:nvCxnSpPr>
+          <p:cNvPr id="11" name="Straight Arrow Connector 10"/>
+          <p:cNvCxnSpPr/>
+          <p:nvPr/>
+        </p:nvCxnSpPr>
+        <p:spPr>
+          <a:xfrm>
+            <a:off x="2051721" y="918012"/>
+            <a:ext cx="5256585" cy="0"/>
+          </a:xfrm>
+          <a:prstGeom prst="straightConnector1">
+            <a:avLst/>
+          </a:prstGeom>
+          <a:ln>
+            <a:tailEnd type="arrow"/>
+          </a:ln>
+        </p:spPr>
+        <p:style>
+          <a:lnRef idx="2">
+            <a:schemeClr val="accent1"/>
+          </a:lnRef>
+          <a:fillRef idx="0">
+            <a:schemeClr val="accent1"/>
+          </a:fillRef>
+          <a:effectRef idx="1">
+            <a:schemeClr val="accent1"/>
+          </a:effectRef>
+          <a:fontRef idx="minor">
+            <a:schemeClr val="tx1"/>
+          </a:fontRef>
+        </p:style>
+      </p:cxnSp>
+      <p:sp>
+        <p:nvSpPr>
+          <p:cNvPr id="13" name="Flowchart: Connector 12"/>
+          <p:cNvSpPr/>
+          <p:nvPr/>
+        </p:nvSpPr>
+        <p:spPr>
+          <a:xfrm>
+            <a:off x="2555780" y="548683"/>
+            <a:ext cx="331959" cy="345502"/>
+          </a:xfrm>
+          <a:prstGeom prst="flowChartConnector">
+            <a:avLst/>
+          </a:prstGeom>
+          <a:noFill/>
+        </p:spPr>
+        <p:style>
+          <a:lnRef idx="2">
+            <a:schemeClr val="accent1"/>
+          </a:lnRef>
+          <a:fillRef idx="1">
+            <a:schemeClr val="lt1"/>
+          </a:fillRef>
+          <a:effectRef idx="0">
+            <a:schemeClr val="accent1"/>
+          </a:effectRef>
+          <a:fontRef idx="minor">
+            <a:schemeClr val="dk1"/>
+          </a:fontRef>
+        </p:style>
+        <p:txBody>
+          <a:bodyPr rtlCol="0" anchor="ctr"/>
+          <a:lstStyle/>
+          <a:p>
+            <a:pPr algn="ctr"/>
+            <a:r>
+              <a:rPr lang="en-US" sz="1801" b="1" dirty="0"/>
+              <a:t>1</a:t>
+            </a:r>
+            <a:endParaRPr lang="en-IN" sz="1801" b="1" dirty="0"/>
+          </a:p>
+        </p:txBody>
+      </p:sp>
+      <p:sp>
+        <p:nvSpPr>
+          <p:cNvPr id="14" name="TextBox 13"/>
+          <p:cNvSpPr txBox="1"/>
+          <p:nvPr/>
+        </p:nvSpPr>
+        <p:spPr>
+          <a:xfrm>
+            <a:off x="3635898" y="1084094"/>
+            <a:ext cx="3453008" cy="369460"/>
+          </a:xfrm>
+          <a:prstGeom prst="rect">
+            <a:avLst/>
+          </a:prstGeom>
+          <a:noFill/>
+        </p:spPr>
+        <p:txBody>
+          <a:bodyPr wrap="square" rtlCol="0">
+            <a:spAutoFit/>
+          </a:bodyPr>
+          <a:lstStyle/>
+          <a:p>
+            <a:r>
+              <a:rPr lang="en-US" sz="1801" b="1" dirty="0"/>
+              <a:t>Issue One / More SQL Queries</a:t>
+            </a:r>
+          </a:p>
+        </p:txBody>
+      </p:sp>
+      <p:cxnSp>
+        <p:nvCxnSpPr>
+          <p:cNvPr id="16" name="Straight Arrow Connector 15"/>
+          <p:cNvCxnSpPr/>
+          <p:nvPr/>
+        </p:nvCxnSpPr>
+        <p:spPr>
+          <a:xfrm>
+            <a:off x="2055099" y="1453427"/>
+            <a:ext cx="5256585" cy="0"/>
+          </a:xfrm>
+          <a:prstGeom prst="straightConnector1">
+            <a:avLst/>
+          </a:prstGeom>
+          <a:ln>
+            <a:tailEnd type="arrow"/>
+          </a:ln>
+        </p:spPr>
+        <p:style>
+          <a:lnRef idx="2">
+            <a:schemeClr val="accent1"/>
+          </a:lnRef>
+          <a:fillRef idx="0">
+            <a:schemeClr val="accent1"/>
+          </a:fillRef>
+          <a:effectRef idx="1">
+            <a:schemeClr val="accent1"/>
+          </a:effectRef>
+          <a:fontRef idx="minor">
+            <a:schemeClr val="tx1"/>
+          </a:fontRef>
+        </p:style>
+      </p:cxnSp>
+      <p:sp>
+        <p:nvSpPr>
+          <p:cNvPr id="17" name="Flowchart: Connector 16"/>
+          <p:cNvSpPr/>
+          <p:nvPr/>
+        </p:nvSpPr>
+        <p:spPr>
+          <a:xfrm>
+            <a:off x="2555780" y="1084096"/>
+            <a:ext cx="331959" cy="345502"/>
+          </a:xfrm>
+          <a:prstGeom prst="flowChartConnector">
+            <a:avLst/>
+          </a:prstGeom>
+          <a:noFill/>
+        </p:spPr>
+        <p:style>
+          <a:lnRef idx="2">
+            <a:schemeClr val="accent1"/>
+          </a:lnRef>
+          <a:fillRef idx="1">
+            <a:schemeClr val="lt1"/>
+          </a:fillRef>
+          <a:effectRef idx="0">
+            <a:schemeClr val="accent1"/>
+          </a:effectRef>
+          <a:fontRef idx="minor">
+            <a:schemeClr val="dk1"/>
+          </a:fontRef>
+        </p:style>
+        <p:txBody>
+          <a:bodyPr rtlCol="0" anchor="ctr"/>
+          <a:lstStyle/>
+          <a:p>
+            <a:pPr algn="ctr"/>
+            <a:r>
+              <a:rPr lang="en-US" sz="1801" b="1" dirty="0"/>
+              <a:t>2</a:t>
+            </a:r>
+            <a:endParaRPr lang="en-IN" sz="1801" b="1" dirty="0"/>
+          </a:p>
+        </p:txBody>
+      </p:sp>
+      <p:sp>
+        <p:nvSpPr>
+          <p:cNvPr id="18" name="TextBox 17"/>
+          <p:cNvSpPr txBox="1"/>
+          <p:nvPr/>
+        </p:nvSpPr>
+        <p:spPr>
+          <a:xfrm>
+            <a:off x="3646168" y="1782414"/>
+            <a:ext cx="3453008" cy="369460"/>
+          </a:xfrm>
+          <a:prstGeom prst="rect">
+            <a:avLst/>
+          </a:prstGeom>
+          <a:noFill/>
+        </p:spPr>
+        <p:txBody>
+          <a:bodyPr wrap="square" rtlCol="0">
+            <a:spAutoFit/>
+          </a:bodyPr>
+          <a:lstStyle/>
+          <a:p>
+            <a:r>
+              <a:rPr lang="en-US" sz="1801" b="1" dirty="0"/>
+              <a:t>Commit the Transaction</a:t>
+            </a:r>
+          </a:p>
+        </p:txBody>
+      </p:sp>
+      <p:cxnSp>
+        <p:nvCxnSpPr>
+          <p:cNvPr id="19" name="Straight Arrow Connector 18"/>
+          <p:cNvCxnSpPr/>
+          <p:nvPr/>
+        </p:nvCxnSpPr>
+        <p:spPr>
+          <a:xfrm>
+            <a:off x="2065369" y="2151747"/>
+            <a:ext cx="5256585" cy="0"/>
+          </a:xfrm>
+          <a:prstGeom prst="straightConnector1">
+            <a:avLst/>
+          </a:prstGeom>
+          <a:ln>
+            <a:tailEnd type="arrow"/>
+          </a:ln>
+        </p:spPr>
+        <p:style>
+          <a:lnRef idx="2">
+            <a:schemeClr val="accent1"/>
+          </a:lnRef>
+          <a:fillRef idx="0">
+            <a:schemeClr val="accent1"/>
+          </a:fillRef>
+          <a:effectRef idx="1">
+            <a:schemeClr val="accent1"/>
+          </a:effectRef>
+          <a:fontRef idx="minor">
+            <a:schemeClr val="tx1"/>
+          </a:fontRef>
+        </p:style>
+      </p:cxnSp>
+      <p:sp>
+        <p:nvSpPr>
+          <p:cNvPr id="20" name="Flowchart: Connector 19"/>
+          <p:cNvSpPr/>
+          <p:nvPr/>
+        </p:nvSpPr>
+        <p:spPr>
+          <a:xfrm>
+            <a:off x="2555778" y="2180116"/>
+            <a:ext cx="331959" cy="345502"/>
+          </a:xfrm>
+          <a:prstGeom prst="flowChartConnector">
+            <a:avLst/>
+          </a:prstGeom>
+          <a:noFill/>
+        </p:spPr>
+        <p:style>
+          <a:lnRef idx="2">
+            <a:schemeClr val="accent1"/>
+          </a:lnRef>
+          <a:fillRef idx="1">
+            <a:schemeClr val="lt1"/>
+          </a:fillRef>
+          <a:effectRef idx="0">
+            <a:schemeClr val="accent1"/>
+          </a:effectRef>
+          <a:fontRef idx="minor">
+            <a:schemeClr val="dk1"/>
+          </a:fontRef>
+        </p:style>
+        <p:txBody>
+          <a:bodyPr rtlCol="0" anchor="ctr"/>
+          <a:lstStyle/>
+          <a:p>
+            <a:pPr algn="ctr"/>
+            <a:r>
+              <a:rPr lang="en-IN" sz="1801" b="1" dirty="0"/>
+              <a:t>3</a:t>
+            </a:r>
+          </a:p>
+        </p:txBody>
+      </p:sp>
+      <p:sp>
+        <p:nvSpPr>
+          <p:cNvPr id="21" name="TextBox 20"/>
+          <p:cNvSpPr txBox="1"/>
+          <p:nvPr/>
+        </p:nvSpPr>
+        <p:spPr>
+          <a:xfrm>
+            <a:off x="3635898" y="2553602"/>
+            <a:ext cx="3453008" cy="369460"/>
+          </a:xfrm>
+          <a:prstGeom prst="rect">
+            <a:avLst/>
+          </a:prstGeom>
+          <a:noFill/>
+        </p:spPr>
+        <p:txBody>
+          <a:bodyPr wrap="square" rtlCol="0">
+            <a:spAutoFit/>
+          </a:bodyPr>
+          <a:lstStyle/>
+          <a:p>
+            <a:r>
+              <a:rPr lang="en-US" sz="1801" b="1" dirty="0"/>
+              <a:t>Rollback the Transaction</a:t>
+            </a:r>
+          </a:p>
+        </p:txBody>
+      </p:sp>
+      <p:cxnSp>
+        <p:nvCxnSpPr>
+          <p:cNvPr id="22" name="Straight Arrow Connector 21"/>
+          <p:cNvCxnSpPr/>
+          <p:nvPr/>
+        </p:nvCxnSpPr>
+        <p:spPr>
+          <a:xfrm>
+            <a:off x="2065369" y="2549444"/>
+            <a:ext cx="5256585" cy="0"/>
+          </a:xfrm>
+          <a:prstGeom prst="straightConnector1">
+            <a:avLst/>
+          </a:prstGeom>
+          <a:ln>
+            <a:tailEnd type="arrow"/>
+          </a:ln>
+        </p:spPr>
+        <p:style>
+          <a:lnRef idx="2">
+            <a:schemeClr val="accent1"/>
+          </a:lnRef>
+          <a:fillRef idx="0">
+            <a:schemeClr val="accent1"/>
+          </a:fillRef>
+          <a:effectRef idx="1">
+            <a:schemeClr val="accent1"/>
+          </a:effectRef>
+          <a:fontRef idx="minor">
+            <a:schemeClr val="tx1"/>
+          </a:fontRef>
+        </p:style>
+      </p:cxnSp>
+      <p:sp>
+        <p:nvSpPr>
+          <p:cNvPr id="23" name="TextBox 22"/>
+          <p:cNvSpPr txBox="1"/>
+          <p:nvPr/>
+        </p:nvSpPr>
+        <p:spPr>
+          <a:xfrm>
+            <a:off x="755579" y="3356994"/>
+            <a:ext cx="7704855" cy="2586477"/>
+          </a:xfrm>
+          <a:prstGeom prst="rect">
+            <a:avLst/>
+          </a:prstGeom>
+          <a:noFill/>
+          <a:ln>
+            <a:solidFill>
+              <a:schemeClr val="accent1"/>
+            </a:solidFill>
+            <a:prstDash val="lgDashDot"/>
+          </a:ln>
+        </p:spPr>
+        <p:txBody>
+          <a:bodyPr wrap="square" rtlCol="0">
+            <a:spAutoFit/>
+          </a:bodyPr>
+          <a:lstStyle/>
+          <a:p>
+            <a:r>
+              <a:rPr lang="en-US" sz="1801" dirty="0">
+                <a:solidFill>
+                  <a:schemeClr val="accent1">
+                    <a:lumMod val="50000"/>
+                  </a:schemeClr>
+                </a:solidFill>
+              </a:rPr>
+              <a:t>Incase of transaction DB Server keeps all the SQL Queries in cache. </a:t>
+            </a:r>
+          </a:p>
+          <a:p>
+            <a:r>
+              <a:rPr lang="en-US" sz="1801" dirty="0">
+                <a:solidFill>
+                  <a:schemeClr val="accent1">
+                    <a:lumMod val="50000"/>
+                  </a:schemeClr>
+                </a:solidFill>
+              </a:rPr>
+              <a:t>It does not executes directly on the tables instead it waits for further instruction from the program.</a:t>
+            </a:r>
+          </a:p>
+          <a:p>
+            <a:pPr marL="285753" indent="-285753">
+              <a:buFont typeface="Wingdings"/>
+              <a:buChar char="Ø"/>
+            </a:pPr>
+            <a:r>
+              <a:rPr lang="en-US" sz="1801" dirty="0">
+                <a:solidFill>
+                  <a:schemeClr val="accent1">
+                    <a:lumMod val="50000"/>
+                  </a:schemeClr>
+                </a:solidFill>
+              </a:rPr>
+              <a:t>If program gives “commit” instruction then DB server make the permanent changes on the corresponding tables</a:t>
+            </a:r>
+          </a:p>
+          <a:p>
+            <a:pPr marL="285753" indent="-285753">
+              <a:buFont typeface="Wingdings"/>
+              <a:buChar char="Ø"/>
+            </a:pPr>
+            <a:r>
+              <a:rPr lang="en-US" sz="1801" dirty="0">
+                <a:solidFill>
+                  <a:schemeClr val="accent1">
+                    <a:lumMod val="50000"/>
+                  </a:schemeClr>
+                </a:solidFill>
+              </a:rPr>
+              <a:t>If program gives “rollback” instruction then DB server just ignores the queries present in the cache</a:t>
+            </a:r>
+          </a:p>
+          <a:p>
+            <a:pPr marL="285753" indent="-285753">
+              <a:buFont typeface="Wingdings"/>
+              <a:buChar char="Ø"/>
+            </a:pPr>
+            <a:endParaRPr lang="en-US" sz="1801" dirty="0">
+              <a:solidFill>
+                <a:schemeClr val="accent1">
+                  <a:lumMod val="50000"/>
+                </a:schemeClr>
+              </a:solidFill>
+            </a:endParaRPr>
+          </a:p>
+          <a:p>
+            <a:endParaRPr lang="en-US" sz="1801" dirty="0"/>
+          </a:p>
+        </p:txBody>
+      </p:sp>
+    </p:spTree>
+    <p:extLst>
+      <p:ext uri="{BB962C8B-B14F-4D97-AF65-F5344CB8AC3E}">
+        <p14:creationId xmlns:p14="http://schemas.microsoft.com/office/powerpoint/2010/main" val="916399645"/>
+      </p:ext>
+    </p:extLst>
+  </p:cSld>
+  <p:clrMapOvr>
+    <a:masterClrMapping/>
+  </p:clrMapOvr>
+  <p:timing>
+    <p:tnLst>
+      <p:par>
+        <p:cTn id="1" dur="indefinite" restart="never" nodeType="tmRoot"/>
+      </p:par>
+    </p:tnLst>
+  </p:timing>
+</p:sld>
+</file>
+
+<file path=ppt/slides/slide25.xml><?xml version="1.0" encoding="utf-8"?>
+<p:sld xmlns:a="http://schemas.openxmlformats.org/drawingml/2006/main" xmlns:r="http://schemas.openxmlformats.org/officeDocument/2006/relationships" xmlns:p="http://schemas.openxmlformats.org/presentationml/2006/main">
+  <p:cSld>
+    <p:spTree>
+      <p:nvGrpSpPr>
+        <p:cNvPr id="1" name=""/>
+        <p:cNvGrpSpPr/>
+        <p:nvPr/>
+      </p:nvGrpSpPr>
+      <p:grpSpPr>
+        <a:xfrm>
+          <a:off x="0" y="0"/>
+          <a:ext cx="0" cy="0"/>
+          <a:chOff x="0" y="0"/>
+          <a:chExt cx="0" cy="0"/>
+        </a:xfrm>
+      </p:grpSpPr>
       <p:pic>
         <p:nvPicPr>
           <p:cNvPr id="5" name="Picture 4"/>
@@ -15923,580 +16424,6 @@
     <p:extLst>
       <p:ext uri="{BB962C8B-B14F-4D97-AF65-F5344CB8AC3E}">
         <p14:creationId xmlns:p14="http://schemas.microsoft.com/office/powerpoint/2010/main" val="1872159398"/>
-      </p:ext>
-    </p:extLst>
-  </p:cSld>
-  <p:clrMapOvr>
-    <a:masterClrMapping/>
-  </p:clrMapOvr>
-</p:sld>
-</file>
-
-<file path=ppt/slides/slide25.xml><?xml version="1.0" encoding="utf-8"?>
-<p:sld xmlns:a="http://schemas.openxmlformats.org/drawingml/2006/main" xmlns:r="http://schemas.openxmlformats.org/officeDocument/2006/relationships" xmlns:p="http://schemas.openxmlformats.org/presentationml/2006/main">
-  <p:cSld>
-    <p:spTree>
-      <p:nvGrpSpPr>
-        <p:cNvPr id="1" name=""/>
-        <p:cNvGrpSpPr/>
-        <p:nvPr/>
-      </p:nvGrpSpPr>
-      <p:grpSpPr>
-        <a:xfrm>
-          <a:off x="0" y="0"/>
-          <a:ext cx="0" cy="0"/>
-          <a:chOff x="0" y="0"/>
-          <a:chExt cx="0" cy="0"/>
-        </a:xfrm>
-      </p:grpSpPr>
-      <p:sp>
-        <p:nvSpPr>
-          <p:cNvPr id="4" name="Rounded Rectangle 3"/>
-          <p:cNvSpPr/>
-          <p:nvPr/>
-        </p:nvSpPr>
-        <p:spPr>
-          <a:xfrm>
-            <a:off x="1115617" y="1124744"/>
-            <a:ext cx="1296144" cy="914400"/>
-          </a:xfrm>
-          <a:prstGeom prst="roundRect">
-            <a:avLst/>
-          </a:prstGeom>
-        </p:spPr>
-        <p:style>
-          <a:lnRef idx="2">
-            <a:schemeClr val="accent1"/>
-          </a:lnRef>
-          <a:fillRef idx="1">
-            <a:schemeClr val="lt1"/>
-          </a:fillRef>
-          <a:effectRef idx="0">
-            <a:schemeClr val="accent1"/>
-          </a:effectRef>
-          <a:fontRef idx="minor">
-            <a:schemeClr val="dk1"/>
-          </a:fontRef>
-        </p:style>
-        <p:txBody>
-          <a:bodyPr rtlCol="0" anchor="ctr"/>
-          <a:lstStyle/>
-          <a:p>
-            <a:pPr algn="ctr"/>
-            <a:r>
-              <a:rPr lang="en-US" sz="1801" dirty="0"/>
-              <a:t>Valid Data</a:t>
-            </a:r>
-          </a:p>
-        </p:txBody>
-      </p:sp>
-      <p:cxnSp>
-        <p:nvCxnSpPr>
-          <p:cNvPr id="6" name="Straight Arrow Connector 5"/>
-          <p:cNvCxnSpPr>
-            <a:endCxn id="4" idx="0"/>
-          </p:cNvCxnSpPr>
-          <p:nvPr/>
-        </p:nvCxnSpPr>
-        <p:spPr>
-          <a:xfrm>
-            <a:off x="1763689" y="548680"/>
-            <a:ext cx="0" cy="576064"/>
-          </a:xfrm>
-          <a:prstGeom prst="straightConnector1">
-            <a:avLst/>
-          </a:prstGeom>
-          <a:ln>
-            <a:tailEnd type="arrow"/>
-          </a:ln>
-        </p:spPr>
-        <p:style>
-          <a:lnRef idx="2">
-            <a:schemeClr val="accent1"/>
-          </a:lnRef>
-          <a:fillRef idx="0">
-            <a:schemeClr val="accent1"/>
-          </a:fillRef>
-          <a:effectRef idx="1">
-            <a:schemeClr val="accent1"/>
-          </a:effectRef>
-          <a:fontRef idx="minor">
-            <a:schemeClr val="tx1"/>
-          </a:fontRef>
-        </p:style>
-      </p:cxnSp>
-      <p:sp>
-        <p:nvSpPr>
-          <p:cNvPr id="7" name="Rounded Rectangle 6"/>
-          <p:cNvSpPr/>
-          <p:nvPr/>
-        </p:nvSpPr>
-        <p:spPr>
-          <a:xfrm>
-            <a:off x="1007605" y="2713238"/>
-            <a:ext cx="1512169" cy="914400"/>
-          </a:xfrm>
-          <a:prstGeom prst="roundRect">
-            <a:avLst/>
-          </a:prstGeom>
-        </p:spPr>
-        <p:style>
-          <a:lnRef idx="2">
-            <a:schemeClr val="accent1"/>
-          </a:lnRef>
-          <a:fillRef idx="1">
-            <a:schemeClr val="lt1"/>
-          </a:fillRef>
-          <a:effectRef idx="0">
-            <a:schemeClr val="accent1"/>
-          </a:effectRef>
-          <a:fontRef idx="minor">
-            <a:schemeClr val="dk1"/>
-          </a:fontRef>
-        </p:style>
-        <p:txBody>
-          <a:bodyPr rtlCol="0" anchor="ctr"/>
-          <a:lstStyle/>
-          <a:p>
-            <a:pPr algn="ctr"/>
-            <a:r>
-              <a:rPr lang="en-US" sz="1801" dirty="0"/>
-              <a:t>Valid Credentials</a:t>
-            </a:r>
-          </a:p>
-        </p:txBody>
-      </p:sp>
-      <p:cxnSp>
-        <p:nvCxnSpPr>
-          <p:cNvPr id="10" name="Straight Arrow Connector 9"/>
-          <p:cNvCxnSpPr>
-            <a:stCxn id="4" idx="2"/>
-            <a:endCxn id="7" idx="0"/>
-          </p:cNvCxnSpPr>
-          <p:nvPr/>
-        </p:nvCxnSpPr>
-        <p:spPr>
-          <a:xfrm>
-            <a:off x="1763689" y="2039146"/>
-            <a:ext cx="0" cy="674094"/>
-          </a:xfrm>
-          <a:prstGeom prst="straightConnector1">
-            <a:avLst/>
-          </a:prstGeom>
-          <a:ln>
-            <a:tailEnd type="arrow"/>
-          </a:ln>
-        </p:spPr>
-        <p:style>
-          <a:lnRef idx="2">
-            <a:schemeClr val="accent1"/>
-          </a:lnRef>
-          <a:fillRef idx="0">
-            <a:schemeClr val="accent1"/>
-          </a:fillRef>
-          <a:effectRef idx="1">
-            <a:schemeClr val="accent1"/>
-          </a:effectRef>
-          <a:fontRef idx="minor">
-            <a:schemeClr val="tx1"/>
-          </a:fontRef>
-        </p:style>
-      </p:cxnSp>
-      <p:cxnSp>
-        <p:nvCxnSpPr>
-          <p:cNvPr id="13" name="Straight Arrow Connector 12"/>
-          <p:cNvCxnSpPr>
-            <a:stCxn id="4" idx="3"/>
-          </p:cNvCxnSpPr>
-          <p:nvPr/>
-        </p:nvCxnSpPr>
-        <p:spPr>
-          <a:xfrm>
-            <a:off x="2411760" y="1581944"/>
-            <a:ext cx="1728192" cy="0"/>
-          </a:xfrm>
-          <a:prstGeom prst="straightConnector1">
-            <a:avLst/>
-          </a:prstGeom>
-          <a:ln>
-            <a:tailEnd type="arrow"/>
-          </a:ln>
-        </p:spPr>
-        <p:style>
-          <a:lnRef idx="2">
-            <a:schemeClr val="accent1"/>
-          </a:lnRef>
-          <a:fillRef idx="0">
-            <a:schemeClr val="accent1"/>
-          </a:fillRef>
-          <a:effectRef idx="1">
-            <a:schemeClr val="accent1"/>
-          </a:effectRef>
-          <a:fontRef idx="minor">
-            <a:schemeClr val="tx1"/>
-          </a:fontRef>
-        </p:style>
-      </p:cxnSp>
-      <p:cxnSp>
-        <p:nvCxnSpPr>
-          <p:cNvPr id="15" name="Straight Arrow Connector 14"/>
-          <p:cNvCxnSpPr>
-            <a:stCxn id="7" idx="3"/>
-          </p:cNvCxnSpPr>
-          <p:nvPr/>
-        </p:nvCxnSpPr>
-        <p:spPr>
-          <a:xfrm>
-            <a:off x="2519773" y="3170438"/>
-            <a:ext cx="1620180" cy="0"/>
-          </a:xfrm>
-          <a:prstGeom prst="straightConnector1">
-            <a:avLst/>
-          </a:prstGeom>
-          <a:ln>
-            <a:tailEnd type="arrow"/>
-          </a:ln>
-        </p:spPr>
-        <p:style>
-          <a:lnRef idx="2">
-            <a:schemeClr val="accent1"/>
-          </a:lnRef>
-          <a:fillRef idx="0">
-            <a:schemeClr val="accent1"/>
-          </a:fillRef>
-          <a:effectRef idx="1">
-            <a:schemeClr val="accent1"/>
-          </a:effectRef>
-          <a:fontRef idx="minor">
-            <a:schemeClr val="tx1"/>
-          </a:fontRef>
-        </p:style>
-      </p:cxnSp>
-      <p:cxnSp>
-        <p:nvCxnSpPr>
-          <p:cNvPr id="17" name="Straight Arrow Connector 16"/>
-          <p:cNvCxnSpPr>
-            <a:stCxn id="7" idx="2"/>
-          </p:cNvCxnSpPr>
-          <p:nvPr/>
-        </p:nvCxnSpPr>
-        <p:spPr>
-          <a:xfrm>
-            <a:off x="1763689" y="3627641"/>
-            <a:ext cx="0" cy="809474"/>
-          </a:xfrm>
-          <a:prstGeom prst="straightConnector1">
-            <a:avLst/>
-          </a:prstGeom>
-          <a:ln>
-            <a:tailEnd type="arrow"/>
-          </a:ln>
-        </p:spPr>
-        <p:style>
-          <a:lnRef idx="2">
-            <a:schemeClr val="accent1"/>
-          </a:lnRef>
-          <a:fillRef idx="0">
-            <a:schemeClr val="accent1"/>
-          </a:fillRef>
-          <a:effectRef idx="1">
-            <a:schemeClr val="accent1"/>
-          </a:effectRef>
-          <a:fontRef idx="minor">
-            <a:schemeClr val="tx1"/>
-          </a:fontRef>
-        </p:style>
-      </p:cxnSp>
-      <p:sp>
-        <p:nvSpPr>
-          <p:cNvPr id="18" name="Right Brace 17"/>
-          <p:cNvSpPr/>
-          <p:nvPr/>
-        </p:nvSpPr>
-        <p:spPr>
-          <a:xfrm>
-            <a:off x="4391982" y="1343347"/>
-            <a:ext cx="360041" cy="2088233"/>
-          </a:xfrm>
-          <a:prstGeom prst="rightBrace">
-            <a:avLst/>
-          </a:prstGeom>
-        </p:spPr>
-        <p:style>
-          <a:lnRef idx="2">
-            <a:schemeClr val="accent1"/>
-          </a:lnRef>
-          <a:fillRef idx="0">
-            <a:schemeClr val="accent1"/>
-          </a:fillRef>
-          <a:effectRef idx="1">
-            <a:schemeClr val="accent1"/>
-          </a:effectRef>
-          <a:fontRef idx="minor">
-            <a:schemeClr val="tx1"/>
-          </a:fontRef>
-        </p:style>
-        <p:txBody>
-          <a:bodyPr rtlCol="0" anchor="ctr"/>
-          <a:lstStyle/>
-          <a:p>
-            <a:pPr algn="ctr"/>
-            <a:endParaRPr lang="en-US" sz="1801"/>
-          </a:p>
-        </p:txBody>
-      </p:sp>
-      <p:sp>
-        <p:nvSpPr>
-          <p:cNvPr id="19" name="TextBox 18"/>
-          <p:cNvSpPr txBox="1"/>
-          <p:nvPr/>
-        </p:nvSpPr>
-        <p:spPr>
-          <a:xfrm>
-            <a:off x="5099526" y="2202795"/>
-            <a:ext cx="3053015" cy="369460"/>
-          </a:xfrm>
-          <a:prstGeom prst="rect">
-            <a:avLst/>
-          </a:prstGeom>
-          <a:noFill/>
-        </p:spPr>
-        <p:txBody>
-          <a:bodyPr wrap="none" rtlCol="0">
-            <a:spAutoFit/>
-          </a:bodyPr>
-          <a:lstStyle/>
-          <a:p>
-            <a:r>
-              <a:rPr lang="en-US" sz="1801" b="1" dirty="0">
-                <a:solidFill>
-                  <a:srgbClr val="C00000"/>
-                </a:solidFill>
-              </a:rPr>
-              <a:t>Invalid User Name / Password</a:t>
-            </a:r>
-          </a:p>
-        </p:txBody>
-      </p:sp>
-      <p:sp>
-        <p:nvSpPr>
-          <p:cNvPr id="20" name="TextBox 19"/>
-          <p:cNvSpPr txBox="1"/>
-          <p:nvPr/>
-        </p:nvSpPr>
-        <p:spPr>
-          <a:xfrm>
-            <a:off x="320377" y="4651848"/>
-            <a:ext cx="2889830" cy="369460"/>
-          </a:xfrm>
-          <a:prstGeom prst="rect">
-            <a:avLst/>
-          </a:prstGeom>
-          <a:noFill/>
-        </p:spPr>
-        <p:txBody>
-          <a:bodyPr wrap="none" rtlCol="0">
-            <a:spAutoFit/>
-          </a:bodyPr>
-          <a:lstStyle/>
-          <a:p>
-            <a:r>
-              <a:rPr lang="en-US" sz="1801" b="1" dirty="0">
-                <a:solidFill>
-                  <a:schemeClr val="accent3">
-                    <a:lumMod val="50000"/>
-                  </a:schemeClr>
-                </a:solidFill>
-              </a:rPr>
-              <a:t>Valid User Name / Password</a:t>
-            </a:r>
-          </a:p>
-        </p:txBody>
-      </p:sp>
-      <p:sp>
-        <p:nvSpPr>
-          <p:cNvPr id="21" name="TextBox 20"/>
-          <p:cNvSpPr txBox="1"/>
-          <p:nvPr/>
-        </p:nvSpPr>
-        <p:spPr>
-          <a:xfrm>
-            <a:off x="279115" y="125722"/>
-            <a:ext cx="2975558" cy="369460"/>
-          </a:xfrm>
-          <a:prstGeom prst="rect">
-            <a:avLst/>
-          </a:prstGeom>
-          <a:noFill/>
-        </p:spPr>
-        <p:txBody>
-          <a:bodyPr wrap="none" rtlCol="0">
-            <a:spAutoFit/>
-          </a:bodyPr>
-          <a:lstStyle/>
-          <a:p>
-            <a:r>
-              <a:rPr lang="en-US" sz="1801" b="1" dirty="0">
-                <a:solidFill>
-                  <a:schemeClr val="tx1">
-                    <a:lumMod val="95000"/>
-                    <a:lumOff val="5000"/>
-                  </a:schemeClr>
-                </a:solidFill>
-              </a:rPr>
-              <a:t>Register Number &amp; Password</a:t>
-            </a:r>
-          </a:p>
-        </p:txBody>
-      </p:sp>
-      <p:sp>
-        <p:nvSpPr>
-          <p:cNvPr id="22" name="TextBox 21"/>
-          <p:cNvSpPr txBox="1"/>
-          <p:nvPr/>
-        </p:nvSpPr>
-        <p:spPr>
-          <a:xfrm>
-            <a:off x="3029634" y="1194356"/>
-            <a:ext cx="460382" cy="369460"/>
-          </a:xfrm>
-          <a:prstGeom prst="rect">
-            <a:avLst/>
-          </a:prstGeom>
-          <a:noFill/>
-        </p:spPr>
-        <p:txBody>
-          <a:bodyPr wrap="none" rtlCol="0">
-            <a:spAutoFit/>
-          </a:bodyPr>
-          <a:lstStyle/>
-          <a:p>
-            <a:r>
-              <a:rPr lang="en-US" sz="1801" b="1" dirty="0">
-                <a:solidFill>
-                  <a:schemeClr val="tx1">
-                    <a:lumMod val="95000"/>
-                    <a:lumOff val="5000"/>
-                  </a:schemeClr>
-                </a:solidFill>
-              </a:rPr>
-              <a:t>No</a:t>
-            </a:r>
-          </a:p>
-        </p:txBody>
-      </p:sp>
-      <p:sp>
-        <p:nvSpPr>
-          <p:cNvPr id="23" name="TextBox 22"/>
-          <p:cNvSpPr txBox="1"/>
-          <p:nvPr/>
-        </p:nvSpPr>
-        <p:spPr>
-          <a:xfrm>
-            <a:off x="3045666" y="2830977"/>
-            <a:ext cx="460382" cy="369460"/>
-          </a:xfrm>
-          <a:prstGeom prst="rect">
-            <a:avLst/>
-          </a:prstGeom>
-          <a:noFill/>
-        </p:spPr>
-        <p:txBody>
-          <a:bodyPr wrap="none" rtlCol="0">
-            <a:spAutoFit/>
-          </a:bodyPr>
-          <a:lstStyle/>
-          <a:p>
-            <a:r>
-              <a:rPr lang="en-US" sz="1801" b="1" dirty="0">
-                <a:solidFill>
-                  <a:schemeClr val="tx1">
-                    <a:lumMod val="95000"/>
-                    <a:lumOff val="5000"/>
-                  </a:schemeClr>
-                </a:solidFill>
-              </a:rPr>
-              <a:t>No</a:t>
-            </a:r>
-          </a:p>
-        </p:txBody>
-      </p:sp>
-      <p:sp>
-        <p:nvSpPr>
-          <p:cNvPr id="24" name="TextBox 23"/>
-          <p:cNvSpPr txBox="1"/>
-          <p:nvPr/>
-        </p:nvSpPr>
-        <p:spPr>
-          <a:xfrm>
-            <a:off x="1785577" y="2191524"/>
-            <a:ext cx="494815" cy="369460"/>
-          </a:xfrm>
-          <a:prstGeom prst="rect">
-            <a:avLst/>
-          </a:prstGeom>
-          <a:noFill/>
-        </p:spPr>
-        <p:txBody>
-          <a:bodyPr wrap="none" rtlCol="0">
-            <a:spAutoFit/>
-          </a:bodyPr>
-          <a:lstStyle/>
-          <a:p>
-            <a:r>
-              <a:rPr lang="en-US" sz="1801" b="1" dirty="0">
-                <a:solidFill>
-                  <a:schemeClr val="tx1">
-                    <a:lumMod val="95000"/>
-                    <a:lumOff val="5000"/>
-                  </a:schemeClr>
-                </a:solidFill>
-              </a:rPr>
-              <a:t>Yes</a:t>
-            </a:r>
-          </a:p>
-        </p:txBody>
-      </p:sp>
-      <p:sp>
-        <p:nvSpPr>
-          <p:cNvPr id="25" name="TextBox 24"/>
-          <p:cNvSpPr txBox="1"/>
-          <p:nvPr/>
-        </p:nvSpPr>
-        <p:spPr>
-          <a:xfrm>
-            <a:off x="1785577" y="3847709"/>
-            <a:ext cx="494815" cy="369460"/>
-          </a:xfrm>
-          <a:prstGeom prst="rect">
-            <a:avLst/>
-          </a:prstGeom>
-          <a:noFill/>
-        </p:spPr>
-        <p:txBody>
-          <a:bodyPr wrap="none" rtlCol="0">
-            <a:spAutoFit/>
-          </a:bodyPr>
-          <a:lstStyle/>
-          <a:p>
-            <a:r>
-              <a:rPr lang="en-US" sz="1801" b="1" dirty="0">
-                <a:solidFill>
-                  <a:schemeClr val="tx1">
-                    <a:lumMod val="95000"/>
-                    <a:lumOff val="5000"/>
-                  </a:schemeClr>
-                </a:solidFill>
-              </a:rPr>
-              <a:t>Yes</a:t>
-            </a:r>
-          </a:p>
-        </p:txBody>
-      </p:sp>
-    </p:spTree>
-    <p:extLst>
-      <p:ext uri="{BB962C8B-B14F-4D97-AF65-F5344CB8AC3E}">
-        <p14:creationId xmlns:p14="http://schemas.microsoft.com/office/powerpoint/2010/main" val="771087059"/>
       </p:ext>
     </p:extLst>
   </p:cSld>
@@ -16531,6 +16458,580 @@
         </p:nvSpPr>
         <p:spPr>
           <a:xfrm>
+            <a:off x="1115617" y="1124744"/>
+            <a:ext cx="1296144" cy="914400"/>
+          </a:xfrm>
+          <a:prstGeom prst="roundRect">
+            <a:avLst/>
+          </a:prstGeom>
+        </p:spPr>
+        <p:style>
+          <a:lnRef idx="2">
+            <a:schemeClr val="accent1"/>
+          </a:lnRef>
+          <a:fillRef idx="1">
+            <a:schemeClr val="lt1"/>
+          </a:fillRef>
+          <a:effectRef idx="0">
+            <a:schemeClr val="accent1"/>
+          </a:effectRef>
+          <a:fontRef idx="minor">
+            <a:schemeClr val="dk1"/>
+          </a:fontRef>
+        </p:style>
+        <p:txBody>
+          <a:bodyPr rtlCol="0" anchor="ctr"/>
+          <a:lstStyle/>
+          <a:p>
+            <a:pPr algn="ctr"/>
+            <a:r>
+              <a:rPr lang="en-US" sz="1801" dirty="0"/>
+              <a:t>Valid Data</a:t>
+            </a:r>
+          </a:p>
+        </p:txBody>
+      </p:sp>
+      <p:cxnSp>
+        <p:nvCxnSpPr>
+          <p:cNvPr id="6" name="Straight Arrow Connector 5"/>
+          <p:cNvCxnSpPr>
+            <a:endCxn id="4" idx="0"/>
+          </p:cNvCxnSpPr>
+          <p:nvPr/>
+        </p:nvCxnSpPr>
+        <p:spPr>
+          <a:xfrm>
+            <a:off x="1763689" y="548680"/>
+            <a:ext cx="0" cy="576064"/>
+          </a:xfrm>
+          <a:prstGeom prst="straightConnector1">
+            <a:avLst/>
+          </a:prstGeom>
+          <a:ln>
+            <a:tailEnd type="arrow"/>
+          </a:ln>
+        </p:spPr>
+        <p:style>
+          <a:lnRef idx="2">
+            <a:schemeClr val="accent1"/>
+          </a:lnRef>
+          <a:fillRef idx="0">
+            <a:schemeClr val="accent1"/>
+          </a:fillRef>
+          <a:effectRef idx="1">
+            <a:schemeClr val="accent1"/>
+          </a:effectRef>
+          <a:fontRef idx="minor">
+            <a:schemeClr val="tx1"/>
+          </a:fontRef>
+        </p:style>
+      </p:cxnSp>
+      <p:sp>
+        <p:nvSpPr>
+          <p:cNvPr id="7" name="Rounded Rectangle 6"/>
+          <p:cNvSpPr/>
+          <p:nvPr/>
+        </p:nvSpPr>
+        <p:spPr>
+          <a:xfrm>
+            <a:off x="1007605" y="2713238"/>
+            <a:ext cx="1512169" cy="914400"/>
+          </a:xfrm>
+          <a:prstGeom prst="roundRect">
+            <a:avLst/>
+          </a:prstGeom>
+        </p:spPr>
+        <p:style>
+          <a:lnRef idx="2">
+            <a:schemeClr val="accent1"/>
+          </a:lnRef>
+          <a:fillRef idx="1">
+            <a:schemeClr val="lt1"/>
+          </a:fillRef>
+          <a:effectRef idx="0">
+            <a:schemeClr val="accent1"/>
+          </a:effectRef>
+          <a:fontRef idx="minor">
+            <a:schemeClr val="dk1"/>
+          </a:fontRef>
+        </p:style>
+        <p:txBody>
+          <a:bodyPr rtlCol="0" anchor="ctr"/>
+          <a:lstStyle/>
+          <a:p>
+            <a:pPr algn="ctr"/>
+            <a:r>
+              <a:rPr lang="en-US" sz="1801" dirty="0"/>
+              <a:t>Valid Credentials</a:t>
+            </a:r>
+          </a:p>
+        </p:txBody>
+      </p:sp>
+      <p:cxnSp>
+        <p:nvCxnSpPr>
+          <p:cNvPr id="10" name="Straight Arrow Connector 9"/>
+          <p:cNvCxnSpPr>
+            <a:stCxn id="4" idx="2"/>
+            <a:endCxn id="7" idx="0"/>
+          </p:cNvCxnSpPr>
+          <p:nvPr/>
+        </p:nvCxnSpPr>
+        <p:spPr>
+          <a:xfrm>
+            <a:off x="1763689" y="2039146"/>
+            <a:ext cx="0" cy="674094"/>
+          </a:xfrm>
+          <a:prstGeom prst="straightConnector1">
+            <a:avLst/>
+          </a:prstGeom>
+          <a:ln>
+            <a:tailEnd type="arrow"/>
+          </a:ln>
+        </p:spPr>
+        <p:style>
+          <a:lnRef idx="2">
+            <a:schemeClr val="accent1"/>
+          </a:lnRef>
+          <a:fillRef idx="0">
+            <a:schemeClr val="accent1"/>
+          </a:fillRef>
+          <a:effectRef idx="1">
+            <a:schemeClr val="accent1"/>
+          </a:effectRef>
+          <a:fontRef idx="minor">
+            <a:schemeClr val="tx1"/>
+          </a:fontRef>
+        </p:style>
+      </p:cxnSp>
+      <p:cxnSp>
+        <p:nvCxnSpPr>
+          <p:cNvPr id="13" name="Straight Arrow Connector 12"/>
+          <p:cNvCxnSpPr>
+            <a:stCxn id="4" idx="3"/>
+          </p:cNvCxnSpPr>
+          <p:nvPr/>
+        </p:nvCxnSpPr>
+        <p:spPr>
+          <a:xfrm>
+            <a:off x="2411760" y="1581944"/>
+            <a:ext cx="1728192" cy="0"/>
+          </a:xfrm>
+          <a:prstGeom prst="straightConnector1">
+            <a:avLst/>
+          </a:prstGeom>
+          <a:ln>
+            <a:tailEnd type="arrow"/>
+          </a:ln>
+        </p:spPr>
+        <p:style>
+          <a:lnRef idx="2">
+            <a:schemeClr val="accent1"/>
+          </a:lnRef>
+          <a:fillRef idx="0">
+            <a:schemeClr val="accent1"/>
+          </a:fillRef>
+          <a:effectRef idx="1">
+            <a:schemeClr val="accent1"/>
+          </a:effectRef>
+          <a:fontRef idx="minor">
+            <a:schemeClr val="tx1"/>
+          </a:fontRef>
+        </p:style>
+      </p:cxnSp>
+      <p:cxnSp>
+        <p:nvCxnSpPr>
+          <p:cNvPr id="15" name="Straight Arrow Connector 14"/>
+          <p:cNvCxnSpPr>
+            <a:stCxn id="7" idx="3"/>
+          </p:cNvCxnSpPr>
+          <p:nvPr/>
+        </p:nvCxnSpPr>
+        <p:spPr>
+          <a:xfrm>
+            <a:off x="2519773" y="3170438"/>
+            <a:ext cx="1620180" cy="0"/>
+          </a:xfrm>
+          <a:prstGeom prst="straightConnector1">
+            <a:avLst/>
+          </a:prstGeom>
+          <a:ln>
+            <a:tailEnd type="arrow"/>
+          </a:ln>
+        </p:spPr>
+        <p:style>
+          <a:lnRef idx="2">
+            <a:schemeClr val="accent1"/>
+          </a:lnRef>
+          <a:fillRef idx="0">
+            <a:schemeClr val="accent1"/>
+          </a:fillRef>
+          <a:effectRef idx="1">
+            <a:schemeClr val="accent1"/>
+          </a:effectRef>
+          <a:fontRef idx="minor">
+            <a:schemeClr val="tx1"/>
+          </a:fontRef>
+        </p:style>
+      </p:cxnSp>
+      <p:cxnSp>
+        <p:nvCxnSpPr>
+          <p:cNvPr id="17" name="Straight Arrow Connector 16"/>
+          <p:cNvCxnSpPr>
+            <a:stCxn id="7" idx="2"/>
+          </p:cNvCxnSpPr>
+          <p:nvPr/>
+        </p:nvCxnSpPr>
+        <p:spPr>
+          <a:xfrm>
+            <a:off x="1763689" y="3627641"/>
+            <a:ext cx="0" cy="809474"/>
+          </a:xfrm>
+          <a:prstGeom prst="straightConnector1">
+            <a:avLst/>
+          </a:prstGeom>
+          <a:ln>
+            <a:tailEnd type="arrow"/>
+          </a:ln>
+        </p:spPr>
+        <p:style>
+          <a:lnRef idx="2">
+            <a:schemeClr val="accent1"/>
+          </a:lnRef>
+          <a:fillRef idx="0">
+            <a:schemeClr val="accent1"/>
+          </a:fillRef>
+          <a:effectRef idx="1">
+            <a:schemeClr val="accent1"/>
+          </a:effectRef>
+          <a:fontRef idx="minor">
+            <a:schemeClr val="tx1"/>
+          </a:fontRef>
+        </p:style>
+      </p:cxnSp>
+      <p:sp>
+        <p:nvSpPr>
+          <p:cNvPr id="18" name="Right Brace 17"/>
+          <p:cNvSpPr/>
+          <p:nvPr/>
+        </p:nvSpPr>
+        <p:spPr>
+          <a:xfrm>
+            <a:off x="4391982" y="1343347"/>
+            <a:ext cx="360041" cy="2088233"/>
+          </a:xfrm>
+          <a:prstGeom prst="rightBrace">
+            <a:avLst/>
+          </a:prstGeom>
+        </p:spPr>
+        <p:style>
+          <a:lnRef idx="2">
+            <a:schemeClr val="accent1"/>
+          </a:lnRef>
+          <a:fillRef idx="0">
+            <a:schemeClr val="accent1"/>
+          </a:fillRef>
+          <a:effectRef idx="1">
+            <a:schemeClr val="accent1"/>
+          </a:effectRef>
+          <a:fontRef idx="minor">
+            <a:schemeClr val="tx1"/>
+          </a:fontRef>
+        </p:style>
+        <p:txBody>
+          <a:bodyPr rtlCol="0" anchor="ctr"/>
+          <a:lstStyle/>
+          <a:p>
+            <a:pPr algn="ctr"/>
+            <a:endParaRPr lang="en-US" sz="1801"/>
+          </a:p>
+        </p:txBody>
+      </p:sp>
+      <p:sp>
+        <p:nvSpPr>
+          <p:cNvPr id="19" name="TextBox 18"/>
+          <p:cNvSpPr txBox="1"/>
+          <p:nvPr/>
+        </p:nvSpPr>
+        <p:spPr>
+          <a:xfrm>
+            <a:off x="5099526" y="2202795"/>
+            <a:ext cx="3053015" cy="369460"/>
+          </a:xfrm>
+          <a:prstGeom prst="rect">
+            <a:avLst/>
+          </a:prstGeom>
+          <a:noFill/>
+        </p:spPr>
+        <p:txBody>
+          <a:bodyPr wrap="none" rtlCol="0">
+            <a:spAutoFit/>
+          </a:bodyPr>
+          <a:lstStyle/>
+          <a:p>
+            <a:r>
+              <a:rPr lang="en-US" sz="1801" b="1" dirty="0">
+                <a:solidFill>
+                  <a:srgbClr val="C00000"/>
+                </a:solidFill>
+              </a:rPr>
+              <a:t>Invalid User Name / Password</a:t>
+            </a:r>
+          </a:p>
+        </p:txBody>
+      </p:sp>
+      <p:sp>
+        <p:nvSpPr>
+          <p:cNvPr id="20" name="TextBox 19"/>
+          <p:cNvSpPr txBox="1"/>
+          <p:nvPr/>
+        </p:nvSpPr>
+        <p:spPr>
+          <a:xfrm>
+            <a:off x="320377" y="4651848"/>
+            <a:ext cx="2889830" cy="369460"/>
+          </a:xfrm>
+          <a:prstGeom prst="rect">
+            <a:avLst/>
+          </a:prstGeom>
+          <a:noFill/>
+        </p:spPr>
+        <p:txBody>
+          <a:bodyPr wrap="none" rtlCol="0">
+            <a:spAutoFit/>
+          </a:bodyPr>
+          <a:lstStyle/>
+          <a:p>
+            <a:r>
+              <a:rPr lang="en-US" sz="1801" b="1" dirty="0">
+                <a:solidFill>
+                  <a:schemeClr val="accent3">
+                    <a:lumMod val="50000"/>
+                  </a:schemeClr>
+                </a:solidFill>
+              </a:rPr>
+              <a:t>Valid User Name / Password</a:t>
+            </a:r>
+          </a:p>
+        </p:txBody>
+      </p:sp>
+      <p:sp>
+        <p:nvSpPr>
+          <p:cNvPr id="21" name="TextBox 20"/>
+          <p:cNvSpPr txBox="1"/>
+          <p:nvPr/>
+        </p:nvSpPr>
+        <p:spPr>
+          <a:xfrm>
+            <a:off x="279115" y="125722"/>
+            <a:ext cx="2975558" cy="369460"/>
+          </a:xfrm>
+          <a:prstGeom prst="rect">
+            <a:avLst/>
+          </a:prstGeom>
+          <a:noFill/>
+        </p:spPr>
+        <p:txBody>
+          <a:bodyPr wrap="none" rtlCol="0">
+            <a:spAutoFit/>
+          </a:bodyPr>
+          <a:lstStyle/>
+          <a:p>
+            <a:r>
+              <a:rPr lang="en-US" sz="1801" b="1" dirty="0">
+                <a:solidFill>
+                  <a:schemeClr val="tx1">
+                    <a:lumMod val="95000"/>
+                    <a:lumOff val="5000"/>
+                  </a:schemeClr>
+                </a:solidFill>
+              </a:rPr>
+              <a:t>Register Number &amp; Password</a:t>
+            </a:r>
+          </a:p>
+        </p:txBody>
+      </p:sp>
+      <p:sp>
+        <p:nvSpPr>
+          <p:cNvPr id="22" name="TextBox 21"/>
+          <p:cNvSpPr txBox="1"/>
+          <p:nvPr/>
+        </p:nvSpPr>
+        <p:spPr>
+          <a:xfrm>
+            <a:off x="3029634" y="1194356"/>
+            <a:ext cx="460382" cy="369460"/>
+          </a:xfrm>
+          <a:prstGeom prst="rect">
+            <a:avLst/>
+          </a:prstGeom>
+          <a:noFill/>
+        </p:spPr>
+        <p:txBody>
+          <a:bodyPr wrap="none" rtlCol="0">
+            <a:spAutoFit/>
+          </a:bodyPr>
+          <a:lstStyle/>
+          <a:p>
+            <a:r>
+              <a:rPr lang="en-US" sz="1801" b="1" dirty="0">
+                <a:solidFill>
+                  <a:schemeClr val="tx1">
+                    <a:lumMod val="95000"/>
+                    <a:lumOff val="5000"/>
+                  </a:schemeClr>
+                </a:solidFill>
+              </a:rPr>
+              <a:t>No</a:t>
+            </a:r>
+          </a:p>
+        </p:txBody>
+      </p:sp>
+      <p:sp>
+        <p:nvSpPr>
+          <p:cNvPr id="23" name="TextBox 22"/>
+          <p:cNvSpPr txBox="1"/>
+          <p:nvPr/>
+        </p:nvSpPr>
+        <p:spPr>
+          <a:xfrm>
+            <a:off x="3045666" y="2830977"/>
+            <a:ext cx="460382" cy="369460"/>
+          </a:xfrm>
+          <a:prstGeom prst="rect">
+            <a:avLst/>
+          </a:prstGeom>
+          <a:noFill/>
+        </p:spPr>
+        <p:txBody>
+          <a:bodyPr wrap="none" rtlCol="0">
+            <a:spAutoFit/>
+          </a:bodyPr>
+          <a:lstStyle/>
+          <a:p>
+            <a:r>
+              <a:rPr lang="en-US" sz="1801" b="1" dirty="0">
+                <a:solidFill>
+                  <a:schemeClr val="tx1">
+                    <a:lumMod val="95000"/>
+                    <a:lumOff val="5000"/>
+                  </a:schemeClr>
+                </a:solidFill>
+              </a:rPr>
+              <a:t>No</a:t>
+            </a:r>
+          </a:p>
+        </p:txBody>
+      </p:sp>
+      <p:sp>
+        <p:nvSpPr>
+          <p:cNvPr id="24" name="TextBox 23"/>
+          <p:cNvSpPr txBox="1"/>
+          <p:nvPr/>
+        </p:nvSpPr>
+        <p:spPr>
+          <a:xfrm>
+            <a:off x="1785577" y="2191524"/>
+            <a:ext cx="494815" cy="369460"/>
+          </a:xfrm>
+          <a:prstGeom prst="rect">
+            <a:avLst/>
+          </a:prstGeom>
+          <a:noFill/>
+        </p:spPr>
+        <p:txBody>
+          <a:bodyPr wrap="none" rtlCol="0">
+            <a:spAutoFit/>
+          </a:bodyPr>
+          <a:lstStyle/>
+          <a:p>
+            <a:r>
+              <a:rPr lang="en-US" sz="1801" b="1" dirty="0">
+                <a:solidFill>
+                  <a:schemeClr val="tx1">
+                    <a:lumMod val="95000"/>
+                    <a:lumOff val="5000"/>
+                  </a:schemeClr>
+                </a:solidFill>
+              </a:rPr>
+              <a:t>Yes</a:t>
+            </a:r>
+          </a:p>
+        </p:txBody>
+      </p:sp>
+      <p:sp>
+        <p:nvSpPr>
+          <p:cNvPr id="25" name="TextBox 24"/>
+          <p:cNvSpPr txBox="1"/>
+          <p:nvPr/>
+        </p:nvSpPr>
+        <p:spPr>
+          <a:xfrm>
+            <a:off x="1785577" y="3847709"/>
+            <a:ext cx="494815" cy="369460"/>
+          </a:xfrm>
+          <a:prstGeom prst="rect">
+            <a:avLst/>
+          </a:prstGeom>
+          <a:noFill/>
+        </p:spPr>
+        <p:txBody>
+          <a:bodyPr wrap="none" rtlCol="0">
+            <a:spAutoFit/>
+          </a:bodyPr>
+          <a:lstStyle/>
+          <a:p>
+            <a:r>
+              <a:rPr lang="en-US" sz="1801" b="1" dirty="0">
+                <a:solidFill>
+                  <a:schemeClr val="tx1">
+                    <a:lumMod val="95000"/>
+                    <a:lumOff val="5000"/>
+                  </a:schemeClr>
+                </a:solidFill>
+              </a:rPr>
+              <a:t>Yes</a:t>
+            </a:r>
+          </a:p>
+        </p:txBody>
+      </p:sp>
+    </p:spTree>
+    <p:extLst>
+      <p:ext uri="{BB962C8B-B14F-4D97-AF65-F5344CB8AC3E}">
+        <p14:creationId xmlns:p14="http://schemas.microsoft.com/office/powerpoint/2010/main" val="771087059"/>
+      </p:ext>
+    </p:extLst>
+  </p:cSld>
+  <p:clrMapOvr>
+    <a:masterClrMapping/>
+  </p:clrMapOvr>
+</p:sld>
+</file>
+
+<file path=ppt/slides/slide27.xml><?xml version="1.0" encoding="utf-8"?>
+<p:sld xmlns:a="http://schemas.openxmlformats.org/drawingml/2006/main" xmlns:r="http://schemas.openxmlformats.org/officeDocument/2006/relationships" xmlns:p="http://schemas.openxmlformats.org/presentationml/2006/main">
+  <p:cSld>
+    <p:spTree>
+      <p:nvGrpSpPr>
+        <p:cNvPr id="1" name=""/>
+        <p:cNvGrpSpPr/>
+        <p:nvPr/>
+      </p:nvGrpSpPr>
+      <p:grpSpPr>
+        <a:xfrm>
+          <a:off x="0" y="0"/>
+          <a:ext cx="0" cy="0"/>
+          <a:chOff x="0" y="0"/>
+          <a:chExt cx="0" cy="0"/>
+        </a:xfrm>
+      </p:grpSpPr>
+      <p:sp>
+        <p:nvSpPr>
+          <p:cNvPr id="4" name="Rounded Rectangle 3"/>
+          <p:cNvSpPr/>
+          <p:nvPr/>
+        </p:nvSpPr>
+        <p:spPr>
+          <a:xfrm>
             <a:off x="2265341" y="1128447"/>
             <a:ext cx="1296144" cy="648073"/>
           </a:xfrm>
@@ -17218,6 +17719,1296 @@
     <p:extLst>
       <p:ext uri="{BB962C8B-B14F-4D97-AF65-F5344CB8AC3E}">
         <p14:creationId xmlns:p14="http://schemas.microsoft.com/office/powerpoint/2010/main" val="4061674353"/>
+      </p:ext>
+    </p:extLst>
+  </p:cSld>
+  <p:clrMapOvr>
+    <a:masterClrMapping/>
+  </p:clrMapOvr>
+</p:sld>
+</file>
+
+<file path=ppt/slides/slide28.xml><?xml version="1.0" encoding="utf-8"?>
+<p:sld xmlns:a="http://schemas.openxmlformats.org/drawingml/2006/main" xmlns:r="http://schemas.openxmlformats.org/officeDocument/2006/relationships" xmlns:p="http://schemas.openxmlformats.org/presentationml/2006/main">
+  <p:cSld>
+    <p:spTree>
+      <p:nvGrpSpPr>
+        <p:cNvPr id="1" name=""/>
+        <p:cNvGrpSpPr/>
+        <p:nvPr/>
+      </p:nvGrpSpPr>
+      <p:grpSpPr>
+        <a:xfrm>
+          <a:off x="0" y="0"/>
+          <a:ext cx="0" cy="0"/>
+          <a:chOff x="0" y="0"/>
+          <a:chExt cx="0" cy="0"/>
+        </a:xfrm>
+      </p:grpSpPr>
+      <p:sp>
+        <p:nvSpPr>
+          <p:cNvPr id="4" name="Rounded Rectangle 3"/>
+          <p:cNvSpPr/>
+          <p:nvPr/>
+        </p:nvSpPr>
+        <p:spPr>
+          <a:xfrm>
+            <a:off x="107504" y="2708920"/>
+            <a:ext cx="1512169" cy="720080"/>
+          </a:xfrm>
+          <a:prstGeom prst="roundRect">
+            <a:avLst/>
+          </a:prstGeom>
+          <a:solidFill>
+            <a:schemeClr val="bg1"/>
+          </a:solidFill>
+        </p:spPr>
+        <p:style>
+          <a:lnRef idx="2">
+            <a:schemeClr val="accent1">
+              <a:shade val="50000"/>
+            </a:schemeClr>
+          </a:lnRef>
+          <a:fillRef idx="1">
+            <a:schemeClr val="accent1"/>
+          </a:fillRef>
+          <a:effectRef idx="0">
+            <a:schemeClr val="accent1"/>
+          </a:effectRef>
+          <a:fontRef idx="minor">
+            <a:schemeClr val="lt1"/>
+          </a:fontRef>
+        </p:style>
+        <p:txBody>
+          <a:bodyPr rtlCol="0" anchor="ctr"/>
+          <a:lstStyle/>
+          <a:p>
+            <a:pPr algn="ctr"/>
+            <a:r>
+              <a:rPr lang="en-US" sz="1801" b="1" dirty="0" smtClean="0">
+                <a:solidFill>
+                  <a:schemeClr val="accent1">
+                    <a:lumMod val="75000"/>
+                  </a:schemeClr>
+                </a:solidFill>
+              </a:rPr>
+              <a:t>Class</a:t>
+            </a:r>
+            <a:endParaRPr lang="en-US" sz="1801" b="1" dirty="0">
+              <a:solidFill>
+                <a:schemeClr val="accent1">
+                  <a:lumMod val="75000"/>
+                </a:schemeClr>
+              </a:solidFill>
+            </a:endParaRPr>
+          </a:p>
+        </p:txBody>
+      </p:sp>
+      <p:cxnSp>
+        <p:nvCxnSpPr>
+          <p:cNvPr id="5" name="Elbow Connector 4"/>
+          <p:cNvCxnSpPr>
+            <a:stCxn id="4" idx="3"/>
+            <a:endCxn id="7" idx="1"/>
+          </p:cNvCxnSpPr>
+          <p:nvPr/>
+        </p:nvCxnSpPr>
+        <p:spPr>
+          <a:xfrm flipV="1">
+            <a:off x="1619673" y="1700808"/>
+            <a:ext cx="1656182" cy="1368152"/>
+          </a:xfrm>
+          <a:prstGeom prst="bentConnector3">
+            <a:avLst/>
+          </a:prstGeom>
+          <a:ln>
+            <a:tailEnd type="triangle"/>
+          </a:ln>
+        </p:spPr>
+        <p:style>
+          <a:lnRef idx="2">
+            <a:schemeClr val="accent1"/>
+          </a:lnRef>
+          <a:fillRef idx="0">
+            <a:schemeClr val="accent1"/>
+          </a:fillRef>
+          <a:effectRef idx="1">
+            <a:schemeClr val="accent1"/>
+          </a:effectRef>
+          <a:fontRef idx="minor">
+            <a:schemeClr val="tx1"/>
+          </a:fontRef>
+        </p:style>
+      </p:cxnSp>
+      <p:cxnSp>
+        <p:nvCxnSpPr>
+          <p:cNvPr id="6" name="Elbow Connector 5"/>
+          <p:cNvCxnSpPr>
+            <a:stCxn id="4" idx="3"/>
+            <a:endCxn id="8" idx="1"/>
+          </p:cNvCxnSpPr>
+          <p:nvPr/>
+        </p:nvCxnSpPr>
+        <p:spPr>
+          <a:xfrm>
+            <a:off x="1619673" y="3068960"/>
+            <a:ext cx="1656179" cy="1728192"/>
+          </a:xfrm>
+          <a:prstGeom prst="bentConnector3">
+            <a:avLst/>
+          </a:prstGeom>
+          <a:ln>
+            <a:tailEnd type="triangle"/>
+          </a:ln>
+        </p:spPr>
+        <p:style>
+          <a:lnRef idx="2">
+            <a:schemeClr val="accent1"/>
+          </a:lnRef>
+          <a:fillRef idx="0">
+            <a:schemeClr val="accent1"/>
+          </a:fillRef>
+          <a:effectRef idx="1">
+            <a:schemeClr val="accent1"/>
+          </a:effectRef>
+          <a:fontRef idx="minor">
+            <a:schemeClr val="tx1"/>
+          </a:fontRef>
+        </p:style>
+      </p:cxnSp>
+      <p:sp>
+        <p:nvSpPr>
+          <p:cNvPr id="7" name="Rounded Rectangle 6"/>
+          <p:cNvSpPr/>
+          <p:nvPr/>
+        </p:nvSpPr>
+        <p:spPr>
+          <a:xfrm>
+            <a:off x="3275855" y="1340768"/>
+            <a:ext cx="1512169" cy="720080"/>
+          </a:xfrm>
+          <a:prstGeom prst="roundRect">
+            <a:avLst/>
+          </a:prstGeom>
+          <a:solidFill>
+            <a:schemeClr val="bg1"/>
+          </a:solidFill>
+        </p:spPr>
+        <p:style>
+          <a:lnRef idx="2">
+            <a:schemeClr val="accent1">
+              <a:shade val="50000"/>
+            </a:schemeClr>
+          </a:lnRef>
+          <a:fillRef idx="1">
+            <a:schemeClr val="accent1"/>
+          </a:fillRef>
+          <a:effectRef idx="0">
+            <a:schemeClr val="accent1"/>
+          </a:effectRef>
+          <a:fontRef idx="minor">
+            <a:schemeClr val="lt1"/>
+          </a:fontRef>
+        </p:style>
+        <p:txBody>
+          <a:bodyPr rtlCol="0" anchor="ctr"/>
+          <a:lstStyle/>
+          <a:p>
+            <a:pPr algn="ctr"/>
+            <a:r>
+              <a:rPr lang="en-US" sz="2000" b="1" dirty="0" smtClean="0">
+                <a:solidFill>
+                  <a:srgbClr val="0070C0"/>
+                </a:solidFill>
+              </a:rPr>
+              <a:t>Abstract</a:t>
+            </a:r>
+          </a:p>
+          <a:p>
+            <a:pPr algn="ctr"/>
+            <a:r>
+              <a:rPr lang="en-US" sz="1801" b="1" dirty="0" smtClean="0">
+                <a:solidFill>
+                  <a:srgbClr val="0070C0"/>
+                </a:solidFill>
+              </a:rPr>
+              <a:t>Class</a:t>
+            </a:r>
+            <a:endParaRPr lang="en-US" sz="1801" b="1" dirty="0">
+              <a:solidFill>
+                <a:srgbClr val="0070C0"/>
+              </a:solidFill>
+            </a:endParaRPr>
+          </a:p>
+        </p:txBody>
+      </p:sp>
+      <p:sp>
+        <p:nvSpPr>
+          <p:cNvPr id="8" name="Rounded Rectangle 7"/>
+          <p:cNvSpPr/>
+          <p:nvPr/>
+        </p:nvSpPr>
+        <p:spPr>
+          <a:xfrm>
+            <a:off x="3275852" y="4437112"/>
+            <a:ext cx="1512169" cy="720080"/>
+          </a:xfrm>
+          <a:prstGeom prst="roundRect">
+            <a:avLst/>
+          </a:prstGeom>
+          <a:solidFill>
+            <a:schemeClr val="bg1"/>
+          </a:solidFill>
+        </p:spPr>
+        <p:style>
+          <a:lnRef idx="2">
+            <a:schemeClr val="accent1">
+              <a:shade val="50000"/>
+            </a:schemeClr>
+          </a:lnRef>
+          <a:fillRef idx="1">
+            <a:schemeClr val="accent1"/>
+          </a:fillRef>
+          <a:effectRef idx="0">
+            <a:schemeClr val="accent1"/>
+          </a:effectRef>
+          <a:fontRef idx="minor">
+            <a:schemeClr val="lt1"/>
+          </a:fontRef>
+        </p:style>
+        <p:txBody>
+          <a:bodyPr rtlCol="0" anchor="ctr"/>
+          <a:lstStyle/>
+          <a:p>
+            <a:pPr algn="ctr"/>
+            <a:r>
+              <a:rPr lang="en-US" sz="2000" b="1" dirty="0" smtClean="0">
+                <a:solidFill>
+                  <a:srgbClr val="0070C0"/>
+                </a:solidFill>
+              </a:rPr>
+              <a:t>Concrete</a:t>
+            </a:r>
+          </a:p>
+          <a:p>
+            <a:pPr algn="ctr"/>
+            <a:r>
+              <a:rPr lang="en-US" sz="1801" b="1" dirty="0" smtClean="0">
+                <a:solidFill>
+                  <a:srgbClr val="0070C0"/>
+                </a:solidFill>
+              </a:rPr>
+              <a:t>Class</a:t>
+            </a:r>
+            <a:endParaRPr lang="en-US" sz="1801" b="1" dirty="0">
+              <a:solidFill>
+                <a:srgbClr val="0070C0"/>
+              </a:solidFill>
+            </a:endParaRPr>
+          </a:p>
+        </p:txBody>
+      </p:sp>
+      <p:cxnSp>
+        <p:nvCxnSpPr>
+          <p:cNvPr id="9" name="Elbow Connector 8"/>
+          <p:cNvCxnSpPr>
+            <a:stCxn id="7" idx="3"/>
+            <a:endCxn id="15" idx="1"/>
+          </p:cNvCxnSpPr>
+          <p:nvPr/>
+        </p:nvCxnSpPr>
+        <p:spPr>
+          <a:xfrm flipV="1">
+            <a:off x="4788024" y="978997"/>
+            <a:ext cx="1368153" cy="721811"/>
+          </a:xfrm>
+          <a:prstGeom prst="bentConnector3">
+            <a:avLst/>
+          </a:prstGeom>
+          <a:ln>
+            <a:tailEnd type="triangle"/>
+          </a:ln>
+        </p:spPr>
+        <p:style>
+          <a:lnRef idx="2">
+            <a:schemeClr val="accent1"/>
+          </a:lnRef>
+          <a:fillRef idx="0">
+            <a:schemeClr val="accent1"/>
+          </a:fillRef>
+          <a:effectRef idx="1">
+            <a:schemeClr val="accent1"/>
+          </a:effectRef>
+          <a:fontRef idx="minor">
+            <a:schemeClr val="tx1"/>
+          </a:fontRef>
+        </p:style>
+      </p:cxnSp>
+      <p:cxnSp>
+        <p:nvCxnSpPr>
+          <p:cNvPr id="10" name="Elbow Connector 9"/>
+          <p:cNvCxnSpPr>
+            <a:stCxn id="7" idx="3"/>
+            <a:endCxn id="20" idx="1"/>
+          </p:cNvCxnSpPr>
+          <p:nvPr/>
+        </p:nvCxnSpPr>
+        <p:spPr>
+          <a:xfrm>
+            <a:off x="4788024" y="1700808"/>
+            <a:ext cx="1368153" cy="785781"/>
+          </a:xfrm>
+          <a:prstGeom prst="bentConnector3">
+            <a:avLst/>
+          </a:prstGeom>
+          <a:ln>
+            <a:tailEnd type="triangle"/>
+          </a:ln>
+        </p:spPr>
+        <p:style>
+          <a:lnRef idx="2">
+            <a:schemeClr val="accent1"/>
+          </a:lnRef>
+          <a:fillRef idx="0">
+            <a:schemeClr val="accent1"/>
+          </a:fillRef>
+          <a:effectRef idx="1">
+            <a:schemeClr val="accent1"/>
+          </a:effectRef>
+          <a:fontRef idx="minor">
+            <a:schemeClr val="tx1"/>
+          </a:fontRef>
+        </p:style>
+      </p:cxnSp>
+      <p:cxnSp>
+        <p:nvCxnSpPr>
+          <p:cNvPr id="11" name="Elbow Connector 10"/>
+          <p:cNvCxnSpPr/>
+          <p:nvPr/>
+        </p:nvCxnSpPr>
+        <p:spPr>
+          <a:xfrm flipV="1">
+            <a:off x="4797406" y="4149079"/>
+            <a:ext cx="1656185" cy="648073"/>
+          </a:xfrm>
+          <a:prstGeom prst="bentConnector3">
+            <a:avLst/>
+          </a:prstGeom>
+          <a:ln>
+            <a:tailEnd type="triangle"/>
+          </a:ln>
+        </p:spPr>
+        <p:style>
+          <a:lnRef idx="2">
+            <a:schemeClr val="accent1"/>
+          </a:lnRef>
+          <a:fillRef idx="0">
+            <a:schemeClr val="accent1"/>
+          </a:fillRef>
+          <a:effectRef idx="1">
+            <a:schemeClr val="accent1"/>
+          </a:effectRef>
+          <a:fontRef idx="minor">
+            <a:schemeClr val="tx1"/>
+          </a:fontRef>
+        </p:style>
+      </p:cxnSp>
+      <p:cxnSp>
+        <p:nvCxnSpPr>
+          <p:cNvPr id="12" name="Elbow Connector 11"/>
+          <p:cNvCxnSpPr/>
+          <p:nvPr/>
+        </p:nvCxnSpPr>
+        <p:spPr>
+          <a:xfrm>
+            <a:off x="4797406" y="4797148"/>
+            <a:ext cx="1656185" cy="576064"/>
+          </a:xfrm>
+          <a:prstGeom prst="bentConnector3">
+            <a:avLst/>
+          </a:prstGeom>
+          <a:ln>
+            <a:tailEnd type="triangle"/>
+          </a:ln>
+        </p:spPr>
+        <p:style>
+          <a:lnRef idx="2">
+            <a:schemeClr val="accent1"/>
+          </a:lnRef>
+          <a:fillRef idx="0">
+            <a:schemeClr val="accent1"/>
+          </a:fillRef>
+          <a:effectRef idx="1">
+            <a:schemeClr val="accent1"/>
+          </a:effectRef>
+          <a:fontRef idx="minor">
+            <a:schemeClr val="tx1"/>
+          </a:fontRef>
+        </p:style>
+      </p:cxnSp>
+      <p:sp>
+        <p:nvSpPr>
+          <p:cNvPr id="15" name="Rounded Rectangle 14"/>
+          <p:cNvSpPr/>
+          <p:nvPr/>
+        </p:nvSpPr>
+        <p:spPr>
+          <a:xfrm>
+            <a:off x="6156177" y="476672"/>
+            <a:ext cx="2448271" cy="1004649"/>
+          </a:xfrm>
+          <a:prstGeom prst="roundRect">
+            <a:avLst/>
+          </a:prstGeom>
+          <a:solidFill>
+            <a:schemeClr val="bg1"/>
+          </a:solidFill>
+        </p:spPr>
+        <p:style>
+          <a:lnRef idx="2">
+            <a:schemeClr val="accent1">
+              <a:shade val="50000"/>
+            </a:schemeClr>
+          </a:lnRef>
+          <a:fillRef idx="1">
+            <a:schemeClr val="accent1"/>
+          </a:fillRef>
+          <a:effectRef idx="0">
+            <a:schemeClr val="accent1"/>
+          </a:effectRef>
+          <a:fontRef idx="minor">
+            <a:schemeClr val="lt1"/>
+          </a:fontRef>
+        </p:style>
+        <p:txBody>
+          <a:bodyPr rtlCol="0" anchor="ctr"/>
+          <a:lstStyle/>
+          <a:p>
+            <a:pPr algn="ctr"/>
+            <a:r>
+              <a:rPr lang="en-US" sz="2000" b="1" dirty="0" smtClean="0">
+                <a:solidFill>
+                  <a:srgbClr val="7030A0"/>
+                </a:solidFill>
+              </a:rPr>
+              <a:t>Abstract </a:t>
+            </a:r>
+            <a:r>
+              <a:rPr lang="en-US" sz="1801" b="1" dirty="0" smtClean="0">
+                <a:solidFill>
+                  <a:srgbClr val="7030A0"/>
+                </a:solidFill>
+              </a:rPr>
+              <a:t>Class</a:t>
+            </a:r>
+          </a:p>
+          <a:p>
+            <a:pPr algn="ctr"/>
+            <a:r>
+              <a:rPr lang="en-US" sz="1801" b="1" dirty="0" smtClean="0">
+                <a:solidFill>
+                  <a:schemeClr val="tx1"/>
+                </a:solidFill>
+              </a:rPr>
+              <a:t>With </a:t>
+            </a:r>
+            <a:r>
+              <a:rPr lang="en-US" sz="1801" b="1" dirty="0" smtClean="0">
+                <a:solidFill>
+                  <a:srgbClr val="FF0000"/>
+                </a:solidFill>
+              </a:rPr>
+              <a:t>ZERO </a:t>
+            </a:r>
+          </a:p>
+          <a:p>
+            <a:pPr algn="ctr"/>
+            <a:r>
+              <a:rPr lang="en-US" sz="1801" b="1" dirty="0" smtClean="0">
+                <a:solidFill>
+                  <a:schemeClr val="tx1"/>
+                </a:solidFill>
+              </a:rPr>
+              <a:t>abstract Methods</a:t>
+            </a:r>
+            <a:endParaRPr lang="en-US" sz="1801" b="1" dirty="0">
+              <a:solidFill>
+                <a:schemeClr val="tx1"/>
+              </a:solidFill>
+            </a:endParaRPr>
+          </a:p>
+        </p:txBody>
+      </p:sp>
+      <p:sp>
+        <p:nvSpPr>
+          <p:cNvPr id="17" name="Rounded Rectangle 16"/>
+          <p:cNvSpPr/>
+          <p:nvPr/>
+        </p:nvSpPr>
+        <p:spPr>
+          <a:xfrm>
+            <a:off x="6462976" y="3789039"/>
+            <a:ext cx="1925448" cy="720080"/>
+          </a:xfrm>
+          <a:prstGeom prst="roundRect">
+            <a:avLst/>
+          </a:prstGeom>
+          <a:solidFill>
+            <a:schemeClr val="bg1"/>
+          </a:solidFill>
+        </p:spPr>
+        <p:style>
+          <a:lnRef idx="2">
+            <a:schemeClr val="accent1">
+              <a:shade val="50000"/>
+            </a:schemeClr>
+          </a:lnRef>
+          <a:fillRef idx="1">
+            <a:schemeClr val="accent1"/>
+          </a:fillRef>
+          <a:effectRef idx="0">
+            <a:schemeClr val="accent1"/>
+          </a:effectRef>
+          <a:fontRef idx="minor">
+            <a:schemeClr val="lt1"/>
+          </a:fontRef>
+        </p:style>
+        <p:txBody>
+          <a:bodyPr rtlCol="0" anchor="ctr"/>
+          <a:lstStyle/>
+          <a:p>
+            <a:pPr algn="ctr"/>
+            <a:r>
+              <a:rPr lang="en-US" sz="2000" b="1" dirty="0" smtClean="0">
+                <a:solidFill>
+                  <a:srgbClr val="7030A0"/>
+                </a:solidFill>
+              </a:rPr>
+              <a:t>Final </a:t>
+            </a:r>
+            <a:r>
+              <a:rPr lang="en-US" sz="1801" b="1" dirty="0" smtClean="0">
+                <a:solidFill>
+                  <a:srgbClr val="7030A0"/>
+                </a:solidFill>
+              </a:rPr>
+              <a:t>Class</a:t>
+            </a:r>
+            <a:endParaRPr lang="en-US" sz="1801" b="1" dirty="0">
+              <a:solidFill>
+                <a:srgbClr val="7030A0"/>
+              </a:solidFill>
+            </a:endParaRPr>
+          </a:p>
+        </p:txBody>
+      </p:sp>
+      <p:sp>
+        <p:nvSpPr>
+          <p:cNvPr id="18" name="Rounded Rectangle 17"/>
+          <p:cNvSpPr/>
+          <p:nvPr/>
+        </p:nvSpPr>
+        <p:spPr>
+          <a:xfrm>
+            <a:off x="6462975" y="5013172"/>
+            <a:ext cx="1925449" cy="720080"/>
+          </a:xfrm>
+          <a:prstGeom prst="roundRect">
+            <a:avLst/>
+          </a:prstGeom>
+          <a:solidFill>
+            <a:schemeClr val="bg1"/>
+          </a:solidFill>
+        </p:spPr>
+        <p:style>
+          <a:lnRef idx="2">
+            <a:schemeClr val="accent1">
+              <a:shade val="50000"/>
+            </a:schemeClr>
+          </a:lnRef>
+          <a:fillRef idx="1">
+            <a:schemeClr val="accent1"/>
+          </a:fillRef>
+          <a:effectRef idx="0">
+            <a:schemeClr val="accent1"/>
+          </a:effectRef>
+          <a:fontRef idx="minor">
+            <a:schemeClr val="lt1"/>
+          </a:fontRef>
+        </p:style>
+        <p:txBody>
+          <a:bodyPr rtlCol="0" anchor="ctr"/>
+          <a:lstStyle/>
+          <a:p>
+            <a:pPr algn="ctr"/>
+            <a:r>
+              <a:rPr lang="en-US" sz="2000" b="1" dirty="0" smtClean="0">
+                <a:solidFill>
+                  <a:srgbClr val="7030A0"/>
+                </a:solidFill>
+              </a:rPr>
+              <a:t>Non-Final </a:t>
+            </a:r>
+            <a:r>
+              <a:rPr lang="en-US" sz="1801" b="1" dirty="0" smtClean="0">
+                <a:solidFill>
+                  <a:srgbClr val="7030A0"/>
+                </a:solidFill>
+              </a:rPr>
+              <a:t>Class</a:t>
+            </a:r>
+            <a:endParaRPr lang="en-US" sz="1801" b="1" dirty="0">
+              <a:solidFill>
+                <a:srgbClr val="7030A0"/>
+              </a:solidFill>
+            </a:endParaRPr>
+          </a:p>
+        </p:txBody>
+      </p:sp>
+      <p:sp>
+        <p:nvSpPr>
+          <p:cNvPr id="20" name="Rounded Rectangle 19"/>
+          <p:cNvSpPr/>
+          <p:nvPr/>
+        </p:nvSpPr>
+        <p:spPr>
+          <a:xfrm>
+            <a:off x="6156177" y="1904218"/>
+            <a:ext cx="2448271" cy="1164742"/>
+          </a:xfrm>
+          <a:prstGeom prst="roundRect">
+            <a:avLst/>
+          </a:prstGeom>
+          <a:solidFill>
+            <a:schemeClr val="bg1"/>
+          </a:solidFill>
+        </p:spPr>
+        <p:style>
+          <a:lnRef idx="2">
+            <a:schemeClr val="accent1">
+              <a:shade val="50000"/>
+            </a:schemeClr>
+          </a:lnRef>
+          <a:fillRef idx="1">
+            <a:schemeClr val="accent1"/>
+          </a:fillRef>
+          <a:effectRef idx="0">
+            <a:schemeClr val="accent1"/>
+          </a:effectRef>
+          <a:fontRef idx="minor">
+            <a:schemeClr val="lt1"/>
+          </a:fontRef>
+        </p:style>
+        <p:txBody>
+          <a:bodyPr rtlCol="0" anchor="ctr"/>
+          <a:lstStyle/>
+          <a:p>
+            <a:pPr algn="ctr"/>
+            <a:r>
+              <a:rPr lang="en-US" sz="2000" b="1" dirty="0" smtClean="0">
+                <a:solidFill>
+                  <a:srgbClr val="7030A0"/>
+                </a:solidFill>
+              </a:rPr>
+              <a:t>Abstract </a:t>
+            </a:r>
+            <a:r>
+              <a:rPr lang="en-US" sz="1801" b="1" dirty="0" smtClean="0">
+                <a:solidFill>
+                  <a:srgbClr val="7030A0"/>
+                </a:solidFill>
+              </a:rPr>
+              <a:t>Class</a:t>
+            </a:r>
+          </a:p>
+          <a:p>
+            <a:pPr algn="ctr"/>
+            <a:r>
+              <a:rPr lang="en-US" sz="1801" b="1" dirty="0" smtClean="0">
+                <a:solidFill>
+                  <a:schemeClr val="tx1"/>
+                </a:solidFill>
+              </a:rPr>
+              <a:t>With </a:t>
+            </a:r>
+            <a:r>
+              <a:rPr lang="en-US" sz="1801" b="1" dirty="0" smtClean="0">
+                <a:solidFill>
+                  <a:srgbClr val="FF0000"/>
+                </a:solidFill>
+              </a:rPr>
+              <a:t>ONE / More </a:t>
+            </a:r>
+          </a:p>
+          <a:p>
+            <a:pPr algn="ctr"/>
+            <a:r>
+              <a:rPr lang="en-US" sz="1801" b="1" dirty="0" smtClean="0">
+                <a:solidFill>
+                  <a:schemeClr val="tx1"/>
+                </a:solidFill>
+              </a:rPr>
+              <a:t>abstract Methods</a:t>
+            </a:r>
+            <a:endParaRPr lang="en-US" sz="1801" b="1" dirty="0">
+              <a:solidFill>
+                <a:schemeClr val="tx1"/>
+              </a:solidFill>
+            </a:endParaRPr>
+          </a:p>
+        </p:txBody>
+      </p:sp>
+    </p:spTree>
+    <p:extLst>
+      <p:ext uri="{BB962C8B-B14F-4D97-AF65-F5344CB8AC3E}">
+        <p14:creationId xmlns:p14="http://schemas.microsoft.com/office/powerpoint/2010/main" val="988951744"/>
+      </p:ext>
+    </p:extLst>
+  </p:cSld>
+  <p:clrMapOvr>
+    <a:masterClrMapping/>
+  </p:clrMapOvr>
+</p:sld>
+</file>
+
+<file path=ppt/slides/slide29.xml><?xml version="1.0" encoding="utf-8"?>
+<p:sld xmlns:a="http://schemas.openxmlformats.org/drawingml/2006/main" xmlns:r="http://schemas.openxmlformats.org/officeDocument/2006/relationships" xmlns:p="http://schemas.openxmlformats.org/presentationml/2006/main">
+  <p:cSld>
+    <p:spTree>
+      <p:nvGrpSpPr>
+        <p:cNvPr id="1" name=""/>
+        <p:cNvGrpSpPr/>
+        <p:nvPr/>
+      </p:nvGrpSpPr>
+      <p:grpSpPr>
+        <a:xfrm>
+          <a:off x="0" y="0"/>
+          <a:ext cx="0" cy="0"/>
+          <a:chOff x="0" y="0"/>
+          <a:chExt cx="0" cy="0"/>
+        </a:xfrm>
+      </p:grpSpPr>
+      <p:sp>
+        <p:nvSpPr>
+          <p:cNvPr id="4" name="Rounded Rectangle 3"/>
+          <p:cNvSpPr/>
+          <p:nvPr/>
+        </p:nvSpPr>
+        <p:spPr>
+          <a:xfrm>
+            <a:off x="2051720" y="2924944"/>
+            <a:ext cx="1512169" cy="720080"/>
+          </a:xfrm>
+          <a:prstGeom prst="roundRect">
+            <a:avLst/>
+          </a:prstGeom>
+          <a:solidFill>
+            <a:schemeClr val="bg1"/>
+          </a:solidFill>
+        </p:spPr>
+        <p:style>
+          <a:lnRef idx="2">
+            <a:schemeClr val="accent1">
+              <a:shade val="50000"/>
+            </a:schemeClr>
+          </a:lnRef>
+          <a:fillRef idx="1">
+            <a:schemeClr val="accent1"/>
+          </a:fillRef>
+          <a:effectRef idx="0">
+            <a:schemeClr val="accent1"/>
+          </a:effectRef>
+          <a:fontRef idx="minor">
+            <a:schemeClr val="lt1"/>
+          </a:fontRef>
+        </p:style>
+        <p:txBody>
+          <a:bodyPr rtlCol="0" anchor="ctr"/>
+          <a:lstStyle/>
+          <a:p>
+            <a:pPr algn="ctr"/>
+            <a:r>
+              <a:rPr lang="en-US" sz="1801" b="1" dirty="0" smtClean="0">
+                <a:solidFill>
+                  <a:schemeClr val="accent1">
+                    <a:lumMod val="75000"/>
+                  </a:schemeClr>
+                </a:solidFill>
+              </a:rPr>
+              <a:t>Class</a:t>
+            </a:r>
+            <a:endParaRPr lang="en-US" sz="1801" b="1" dirty="0">
+              <a:solidFill>
+                <a:schemeClr val="accent1">
+                  <a:lumMod val="75000"/>
+                </a:schemeClr>
+              </a:solidFill>
+            </a:endParaRPr>
+          </a:p>
+        </p:txBody>
+      </p:sp>
+      <p:cxnSp>
+        <p:nvCxnSpPr>
+          <p:cNvPr id="9" name="Elbow Connector 8"/>
+          <p:cNvCxnSpPr>
+            <a:stCxn id="4" idx="3"/>
+            <a:endCxn id="15" idx="1"/>
+          </p:cNvCxnSpPr>
+          <p:nvPr/>
+        </p:nvCxnSpPr>
+        <p:spPr>
+          <a:xfrm flipV="1">
+            <a:off x="3563889" y="978997"/>
+            <a:ext cx="2592288" cy="2305987"/>
+          </a:xfrm>
+          <a:prstGeom prst="bentConnector3">
+            <a:avLst/>
+          </a:prstGeom>
+          <a:ln>
+            <a:tailEnd type="triangle"/>
+          </a:ln>
+        </p:spPr>
+        <p:style>
+          <a:lnRef idx="2">
+            <a:schemeClr val="accent1"/>
+          </a:lnRef>
+          <a:fillRef idx="0">
+            <a:schemeClr val="accent1"/>
+          </a:fillRef>
+          <a:effectRef idx="1">
+            <a:schemeClr val="accent1"/>
+          </a:effectRef>
+          <a:fontRef idx="minor">
+            <a:schemeClr val="tx1"/>
+          </a:fontRef>
+        </p:style>
+      </p:cxnSp>
+      <p:cxnSp>
+        <p:nvCxnSpPr>
+          <p:cNvPr id="10" name="Elbow Connector 9"/>
+          <p:cNvCxnSpPr>
+            <a:stCxn id="4" idx="3"/>
+            <a:endCxn id="20" idx="1"/>
+          </p:cNvCxnSpPr>
+          <p:nvPr/>
+        </p:nvCxnSpPr>
+        <p:spPr>
+          <a:xfrm flipV="1">
+            <a:off x="3563889" y="2486589"/>
+            <a:ext cx="2592288" cy="798395"/>
+          </a:xfrm>
+          <a:prstGeom prst="bentConnector3">
+            <a:avLst/>
+          </a:prstGeom>
+          <a:ln>
+            <a:tailEnd type="triangle"/>
+          </a:ln>
+        </p:spPr>
+        <p:style>
+          <a:lnRef idx="2">
+            <a:schemeClr val="accent1"/>
+          </a:lnRef>
+          <a:fillRef idx="0">
+            <a:schemeClr val="accent1"/>
+          </a:fillRef>
+          <a:effectRef idx="1">
+            <a:schemeClr val="accent1"/>
+          </a:effectRef>
+          <a:fontRef idx="minor">
+            <a:schemeClr val="tx1"/>
+          </a:fontRef>
+        </p:style>
+      </p:cxnSp>
+      <p:cxnSp>
+        <p:nvCxnSpPr>
+          <p:cNvPr id="11" name="Elbow Connector 10"/>
+          <p:cNvCxnSpPr>
+            <a:stCxn id="4" idx="3"/>
+          </p:cNvCxnSpPr>
+          <p:nvPr/>
+        </p:nvCxnSpPr>
+        <p:spPr>
+          <a:xfrm>
+            <a:off x="3563889" y="3284984"/>
+            <a:ext cx="2889702" cy="864096"/>
+          </a:xfrm>
+          <a:prstGeom prst="bentConnector3">
+            <a:avLst>
+              <a:gd name="adj1" fmla="val 44587"/>
+            </a:avLst>
+          </a:prstGeom>
+          <a:ln>
+            <a:tailEnd type="triangle"/>
+          </a:ln>
+        </p:spPr>
+        <p:style>
+          <a:lnRef idx="2">
+            <a:schemeClr val="accent1"/>
+          </a:lnRef>
+          <a:fillRef idx="0">
+            <a:schemeClr val="accent1"/>
+          </a:fillRef>
+          <a:effectRef idx="1">
+            <a:schemeClr val="accent1"/>
+          </a:effectRef>
+          <a:fontRef idx="minor">
+            <a:schemeClr val="tx1"/>
+          </a:fontRef>
+        </p:style>
+      </p:cxnSp>
+      <p:cxnSp>
+        <p:nvCxnSpPr>
+          <p:cNvPr id="12" name="Elbow Connector 11"/>
+          <p:cNvCxnSpPr>
+            <a:stCxn id="4" idx="3"/>
+          </p:cNvCxnSpPr>
+          <p:nvPr/>
+        </p:nvCxnSpPr>
+        <p:spPr>
+          <a:xfrm>
+            <a:off x="3563889" y="3284984"/>
+            <a:ext cx="2889702" cy="2088228"/>
+          </a:xfrm>
+          <a:prstGeom prst="bentConnector3">
+            <a:avLst>
+              <a:gd name="adj1" fmla="val 45004"/>
+            </a:avLst>
+          </a:prstGeom>
+          <a:ln>
+            <a:tailEnd type="triangle"/>
+          </a:ln>
+        </p:spPr>
+        <p:style>
+          <a:lnRef idx="2">
+            <a:schemeClr val="accent1"/>
+          </a:lnRef>
+          <a:fillRef idx="0">
+            <a:schemeClr val="accent1"/>
+          </a:fillRef>
+          <a:effectRef idx="1">
+            <a:schemeClr val="accent1"/>
+          </a:effectRef>
+          <a:fontRef idx="minor">
+            <a:schemeClr val="tx1"/>
+          </a:fontRef>
+        </p:style>
+      </p:cxnSp>
+      <p:sp>
+        <p:nvSpPr>
+          <p:cNvPr id="15" name="Rounded Rectangle 14"/>
+          <p:cNvSpPr/>
+          <p:nvPr/>
+        </p:nvSpPr>
+        <p:spPr>
+          <a:xfrm>
+            <a:off x="6156177" y="476672"/>
+            <a:ext cx="2448271" cy="1004649"/>
+          </a:xfrm>
+          <a:prstGeom prst="roundRect">
+            <a:avLst/>
+          </a:prstGeom>
+          <a:solidFill>
+            <a:schemeClr val="bg1"/>
+          </a:solidFill>
+        </p:spPr>
+        <p:style>
+          <a:lnRef idx="2">
+            <a:schemeClr val="accent1">
+              <a:shade val="50000"/>
+            </a:schemeClr>
+          </a:lnRef>
+          <a:fillRef idx="1">
+            <a:schemeClr val="accent1"/>
+          </a:fillRef>
+          <a:effectRef idx="0">
+            <a:schemeClr val="accent1"/>
+          </a:effectRef>
+          <a:fontRef idx="minor">
+            <a:schemeClr val="lt1"/>
+          </a:fontRef>
+        </p:style>
+        <p:txBody>
+          <a:bodyPr rtlCol="0" anchor="ctr"/>
+          <a:lstStyle/>
+          <a:p>
+            <a:pPr algn="ctr"/>
+            <a:r>
+              <a:rPr lang="en-US" sz="2000" b="1" dirty="0" smtClean="0">
+                <a:solidFill>
+                  <a:srgbClr val="7030A0"/>
+                </a:solidFill>
+              </a:rPr>
+              <a:t>Abstract </a:t>
+            </a:r>
+            <a:r>
+              <a:rPr lang="en-US" sz="1801" b="1" dirty="0" smtClean="0">
+                <a:solidFill>
+                  <a:srgbClr val="7030A0"/>
+                </a:solidFill>
+              </a:rPr>
+              <a:t>Class</a:t>
+            </a:r>
+          </a:p>
+          <a:p>
+            <a:pPr algn="ctr"/>
+            <a:r>
+              <a:rPr lang="en-US" sz="1801" b="1" dirty="0" smtClean="0">
+                <a:solidFill>
+                  <a:schemeClr val="tx1"/>
+                </a:solidFill>
+              </a:rPr>
+              <a:t>With </a:t>
+            </a:r>
+            <a:r>
+              <a:rPr lang="en-US" sz="1801" b="1" dirty="0" smtClean="0">
+                <a:solidFill>
+                  <a:srgbClr val="FF0000"/>
+                </a:solidFill>
+              </a:rPr>
+              <a:t>ZERO </a:t>
+            </a:r>
+          </a:p>
+          <a:p>
+            <a:pPr algn="ctr"/>
+            <a:r>
+              <a:rPr lang="en-US" sz="1801" b="1" dirty="0" smtClean="0">
+                <a:solidFill>
+                  <a:schemeClr val="tx1"/>
+                </a:solidFill>
+              </a:rPr>
+              <a:t>abstract Methods</a:t>
+            </a:r>
+            <a:endParaRPr lang="en-US" sz="1801" b="1" dirty="0">
+              <a:solidFill>
+                <a:schemeClr val="tx1"/>
+              </a:solidFill>
+            </a:endParaRPr>
+          </a:p>
+        </p:txBody>
+      </p:sp>
+      <p:sp>
+        <p:nvSpPr>
+          <p:cNvPr id="17" name="Rounded Rectangle 16"/>
+          <p:cNvSpPr/>
+          <p:nvPr/>
+        </p:nvSpPr>
+        <p:spPr>
+          <a:xfrm>
+            <a:off x="6462976" y="3789039"/>
+            <a:ext cx="1925448" cy="720080"/>
+          </a:xfrm>
+          <a:prstGeom prst="roundRect">
+            <a:avLst/>
+          </a:prstGeom>
+          <a:solidFill>
+            <a:schemeClr val="bg1"/>
+          </a:solidFill>
+        </p:spPr>
+        <p:style>
+          <a:lnRef idx="2">
+            <a:schemeClr val="accent1">
+              <a:shade val="50000"/>
+            </a:schemeClr>
+          </a:lnRef>
+          <a:fillRef idx="1">
+            <a:schemeClr val="accent1"/>
+          </a:fillRef>
+          <a:effectRef idx="0">
+            <a:schemeClr val="accent1"/>
+          </a:effectRef>
+          <a:fontRef idx="minor">
+            <a:schemeClr val="lt1"/>
+          </a:fontRef>
+        </p:style>
+        <p:txBody>
+          <a:bodyPr rtlCol="0" anchor="ctr"/>
+          <a:lstStyle/>
+          <a:p>
+            <a:pPr algn="ctr"/>
+            <a:r>
+              <a:rPr lang="en-US" sz="2000" b="1" dirty="0" smtClean="0">
+                <a:solidFill>
+                  <a:srgbClr val="7030A0"/>
+                </a:solidFill>
+              </a:rPr>
+              <a:t>Final </a:t>
+            </a:r>
+            <a:r>
+              <a:rPr lang="en-US" sz="1801" b="1" dirty="0" smtClean="0">
+                <a:solidFill>
+                  <a:srgbClr val="7030A0"/>
+                </a:solidFill>
+              </a:rPr>
+              <a:t>Class</a:t>
+            </a:r>
+            <a:endParaRPr lang="en-US" sz="1801" b="1" dirty="0">
+              <a:solidFill>
+                <a:srgbClr val="7030A0"/>
+              </a:solidFill>
+            </a:endParaRPr>
+          </a:p>
+        </p:txBody>
+      </p:sp>
+      <p:sp>
+        <p:nvSpPr>
+          <p:cNvPr id="18" name="Rounded Rectangle 17"/>
+          <p:cNvSpPr/>
+          <p:nvPr/>
+        </p:nvSpPr>
+        <p:spPr>
+          <a:xfrm>
+            <a:off x="6462975" y="5013172"/>
+            <a:ext cx="1925449" cy="720080"/>
+          </a:xfrm>
+          <a:prstGeom prst="roundRect">
+            <a:avLst/>
+          </a:prstGeom>
+          <a:solidFill>
+            <a:schemeClr val="bg1"/>
+          </a:solidFill>
+        </p:spPr>
+        <p:style>
+          <a:lnRef idx="2">
+            <a:schemeClr val="accent1">
+              <a:shade val="50000"/>
+            </a:schemeClr>
+          </a:lnRef>
+          <a:fillRef idx="1">
+            <a:schemeClr val="accent1"/>
+          </a:fillRef>
+          <a:effectRef idx="0">
+            <a:schemeClr val="accent1"/>
+          </a:effectRef>
+          <a:fontRef idx="minor">
+            <a:schemeClr val="lt1"/>
+          </a:fontRef>
+        </p:style>
+        <p:txBody>
+          <a:bodyPr rtlCol="0" anchor="ctr"/>
+          <a:lstStyle/>
+          <a:p>
+            <a:pPr algn="ctr"/>
+            <a:r>
+              <a:rPr lang="en-US" sz="2000" b="1" dirty="0" smtClean="0">
+                <a:solidFill>
+                  <a:srgbClr val="7030A0"/>
+                </a:solidFill>
+              </a:rPr>
+              <a:t>Non-Final </a:t>
+            </a:r>
+            <a:r>
+              <a:rPr lang="en-US" sz="1801" b="1" dirty="0" smtClean="0">
+                <a:solidFill>
+                  <a:srgbClr val="7030A0"/>
+                </a:solidFill>
+              </a:rPr>
+              <a:t>Class</a:t>
+            </a:r>
+            <a:endParaRPr lang="en-US" sz="1801" b="1" dirty="0">
+              <a:solidFill>
+                <a:srgbClr val="7030A0"/>
+              </a:solidFill>
+            </a:endParaRPr>
+          </a:p>
+        </p:txBody>
+      </p:sp>
+      <p:sp>
+        <p:nvSpPr>
+          <p:cNvPr id="20" name="Rounded Rectangle 19"/>
+          <p:cNvSpPr/>
+          <p:nvPr/>
+        </p:nvSpPr>
+        <p:spPr>
+          <a:xfrm>
+            <a:off x="6156177" y="1904218"/>
+            <a:ext cx="2448271" cy="1164742"/>
+          </a:xfrm>
+          <a:prstGeom prst="roundRect">
+            <a:avLst/>
+          </a:prstGeom>
+          <a:solidFill>
+            <a:schemeClr val="bg1"/>
+          </a:solidFill>
+        </p:spPr>
+        <p:style>
+          <a:lnRef idx="2">
+            <a:schemeClr val="accent1">
+              <a:shade val="50000"/>
+            </a:schemeClr>
+          </a:lnRef>
+          <a:fillRef idx="1">
+            <a:schemeClr val="accent1"/>
+          </a:fillRef>
+          <a:effectRef idx="0">
+            <a:schemeClr val="accent1"/>
+          </a:effectRef>
+          <a:fontRef idx="minor">
+            <a:schemeClr val="lt1"/>
+          </a:fontRef>
+        </p:style>
+        <p:txBody>
+          <a:bodyPr rtlCol="0" anchor="ctr"/>
+          <a:lstStyle/>
+          <a:p>
+            <a:pPr algn="ctr"/>
+            <a:r>
+              <a:rPr lang="en-US" sz="2000" b="1" dirty="0" smtClean="0">
+                <a:solidFill>
+                  <a:srgbClr val="7030A0"/>
+                </a:solidFill>
+              </a:rPr>
+              <a:t>Abstract </a:t>
+            </a:r>
+            <a:r>
+              <a:rPr lang="en-US" sz="1801" b="1" dirty="0" smtClean="0">
+                <a:solidFill>
+                  <a:srgbClr val="7030A0"/>
+                </a:solidFill>
+              </a:rPr>
+              <a:t>Class</a:t>
+            </a:r>
+          </a:p>
+          <a:p>
+            <a:pPr algn="ctr"/>
+            <a:r>
+              <a:rPr lang="en-US" sz="1801" b="1" dirty="0" smtClean="0">
+                <a:solidFill>
+                  <a:schemeClr val="tx1"/>
+                </a:solidFill>
+              </a:rPr>
+              <a:t>With </a:t>
+            </a:r>
+            <a:r>
+              <a:rPr lang="en-US" sz="1801" b="1" dirty="0" smtClean="0">
+                <a:solidFill>
+                  <a:srgbClr val="FF0000"/>
+                </a:solidFill>
+              </a:rPr>
+              <a:t>ONE / More </a:t>
+            </a:r>
+          </a:p>
+          <a:p>
+            <a:pPr algn="ctr"/>
+            <a:r>
+              <a:rPr lang="en-US" sz="1801" b="1" dirty="0" smtClean="0">
+                <a:solidFill>
+                  <a:schemeClr val="tx1"/>
+                </a:solidFill>
+              </a:rPr>
+              <a:t>abstract Methods</a:t>
+            </a:r>
+            <a:endParaRPr lang="en-US" sz="1801" b="1" dirty="0">
+              <a:solidFill>
+                <a:schemeClr val="tx1"/>
+              </a:solidFill>
+            </a:endParaRPr>
+          </a:p>
+        </p:txBody>
+      </p:sp>
+    </p:spTree>
+    <p:extLst>
+      <p:ext uri="{BB962C8B-B14F-4D97-AF65-F5344CB8AC3E}">
+        <p14:creationId xmlns:p14="http://schemas.microsoft.com/office/powerpoint/2010/main" val="4028977790"/>
       </p:ext>
     </p:extLst>
   </p:cSld>
